--- a/AP_lab_meeting_9.11.19.pptx
+++ b/AP_lab_meeting_9.11.19.pptx
@@ -15,20 +15,20 @@
     <p:sldId id="264" r:id="rId6"/>
     <p:sldId id="287" r:id="rId7"/>
     <p:sldId id="271" r:id="rId8"/>
-    <p:sldId id="288" r:id="rId9"/>
-    <p:sldId id="274" r:id="rId10"/>
-    <p:sldId id="275" r:id="rId11"/>
-    <p:sldId id="277" r:id="rId12"/>
-    <p:sldId id="280" r:id="rId13"/>
-    <p:sldId id="278" r:id="rId14"/>
-    <p:sldId id="281" r:id="rId15"/>
-    <p:sldId id="282" r:id="rId16"/>
-    <p:sldId id="289" r:id="rId17"/>
-    <p:sldId id="290" r:id="rId18"/>
-    <p:sldId id="283" r:id="rId19"/>
-    <p:sldId id="284" r:id="rId20"/>
-    <p:sldId id="273" r:id="rId21"/>
-    <p:sldId id="276" r:id="rId22"/>
+    <p:sldId id="292" r:id="rId9"/>
+    <p:sldId id="278" r:id="rId10"/>
+    <p:sldId id="277" r:id="rId11"/>
+    <p:sldId id="280" r:id="rId12"/>
+    <p:sldId id="282" r:id="rId13"/>
+    <p:sldId id="281" r:id="rId14"/>
+    <p:sldId id="290" r:id="rId15"/>
+    <p:sldId id="293" r:id="rId16"/>
+    <p:sldId id="283" r:id="rId17"/>
+    <p:sldId id="291" r:id="rId18"/>
+    <p:sldId id="289" r:id="rId19"/>
+    <p:sldId id="273" r:id="rId20"/>
+    <p:sldId id="276" r:id="rId21"/>
+    <p:sldId id="275" r:id="rId22"/>
     <p:sldId id="258" r:id="rId23"/>
     <p:sldId id="266" r:id="rId24"/>
   </p:sldIdLst>
@@ -219,7 +219,7 @@
           <a:p>
             <a:fld id="{5F996101-4AAD-47FB-A688-E88CFC4C4F60}" type="datetimeFigureOut">
               <a:rPr lang="en-US" smtClean="0"/>
-              <a:t>9/9/2019</a:t>
+              <a:t>9/11/2019</a:t>
             </a:fld>
             <a:endParaRPr lang="en-US"/>
           </a:p>
@@ -615,6 +615,45 @@
           <a:bodyPr/>
           <a:lstStyle/>
           <a:p>
+            <a:r>
+              <a:rPr lang="en-US" dirty="0" smtClean="0"/>
+              <a:t>Assumption</a:t>
+            </a:r>
+            <a:r>
+              <a:rPr lang="en-US" baseline="0" dirty="0" smtClean="0"/>
+              <a:t> of bivalent interference (meaning only inside pair of homologous sisters participate in COs</a:t>
+            </a:r>
+          </a:p>
+          <a:p>
+            <a:endParaRPr lang="en-US" baseline="0" dirty="0" smtClean="0"/>
+          </a:p>
+          <a:p>
+            <a:endParaRPr lang="en-US" baseline="0" dirty="0" smtClean="0"/>
+          </a:p>
+          <a:p>
+            <a:r>
+              <a:rPr lang="en-US" sz="1200" b="0" i="1" u="none" strike="noStrike" kern="1200" baseline="0" dirty="0" smtClean="0">
+                <a:solidFill>
+                  <a:schemeClr val="tx1"/>
+                </a:solidFill>
+                <a:latin typeface="+mn-lt"/>
+                <a:ea typeface="+mn-ea"/>
+                <a:cs typeface="+mn-cs"/>
+              </a:rPr>
+              <a:t>The release of sister chromatid cohesion distal to chiasmata allows homologs to separate.</a:t>
+            </a:r>
+          </a:p>
+          <a:p>
+            <a:endParaRPr lang="en-US" sz="1200" b="0" i="1" u="none" strike="noStrike" kern="1200" baseline="0" dirty="0" smtClean="0">
+              <a:solidFill>
+                <a:schemeClr val="tx1"/>
+              </a:solidFill>
+              <a:latin typeface="+mn-lt"/>
+              <a:ea typeface="+mn-ea"/>
+              <a:cs typeface="+mn-cs"/>
+            </a:endParaRPr>
+          </a:p>
+          <a:p>
             <a:endParaRPr lang="en-US" dirty="0"/>
           </a:p>
         </p:txBody>
@@ -645,7 +684,7 @@
     </p:spTree>
     <p:extLst>
       <p:ext uri="{BB962C8B-B14F-4D97-AF65-F5344CB8AC3E}">
-        <p14:creationId xmlns:p14="http://schemas.microsoft.com/office/powerpoint/2010/main" val="4179654781"/>
+        <p14:creationId xmlns:p14="http://schemas.microsoft.com/office/powerpoint/2010/main" val="935427372"/>
       </p:ext>
     </p:extLst>
   </p:cSld>
@@ -699,43 +738,39 @@
           <a:bodyPr/>
           <a:lstStyle/>
           <a:p>
+            <a:pPr marL="0" indent="0">
+              <a:buNone/>
+            </a:pPr>
             <a:r>
               <a:rPr lang="en-US" dirty="0" smtClean="0"/>
-              <a:t>Assumption</a:t>
-            </a:r>
-            <a:r>
-              <a:rPr lang="en-US" baseline="0" dirty="0" smtClean="0"/>
-              <a:t> of bivalent interference (meaning only inside pair of homologous sisters participate in COs</a:t>
-            </a:r>
-          </a:p>
-          <a:p>
-            <a:endParaRPr lang="en-US" baseline="0" dirty="0" smtClean="0"/>
-          </a:p>
-          <a:p>
-            <a:endParaRPr lang="en-US" baseline="0" dirty="0" smtClean="0"/>
-          </a:p>
-          <a:p>
-            <a:r>
-              <a:rPr lang="en-US" sz="1200" b="0" i="1" u="none" strike="noStrike" kern="1200" baseline="0" dirty="0" smtClean="0">
-                <a:solidFill>
-                  <a:schemeClr val="tx1"/>
-                </a:solidFill>
-                <a:latin typeface="+mn-lt"/>
-                <a:ea typeface="+mn-ea"/>
-                <a:cs typeface="+mn-cs"/>
-              </a:rPr>
-              <a:t>The release of sister chromatid cohesion distal to chiasmata allows homologs to separate.</a:t>
-            </a:r>
-          </a:p>
-          <a:p>
-            <a:endParaRPr lang="en-US" sz="1200" b="0" i="1" u="none" strike="noStrike" kern="1200" baseline="0" dirty="0" smtClean="0">
-              <a:solidFill>
-                <a:schemeClr val="tx1"/>
-              </a:solidFill>
-              <a:latin typeface="+mn-lt"/>
-              <a:ea typeface="+mn-ea"/>
-              <a:cs typeface="+mn-cs"/>
-            </a:endParaRPr>
+              <a:t>From bivalent measures: (intervals for calculating sis-</a:t>
+            </a:r>
+            <a:r>
+              <a:rPr lang="en-US" dirty="0" err="1" smtClean="0"/>
+              <a:t>coten</a:t>
+            </a:r>
+            <a:r>
+              <a:rPr lang="en-US" dirty="0" smtClean="0"/>
+              <a:t>)</a:t>
+            </a:r>
+          </a:p>
+          <a:p>
+            <a:r>
+              <a:rPr lang="en-US" dirty="0" smtClean="0"/>
+              <a:t>If bivalent is 2CO: sis-co-ten =  IFD</a:t>
+            </a:r>
+          </a:p>
+          <a:p>
+            <a:r>
+              <a:rPr lang="en-US" dirty="0" smtClean="0"/>
+              <a:t>If bivalent is 1CO: sis-co-ten = foci1 to end</a:t>
+            </a:r>
+          </a:p>
+          <a:p>
+            <a:r>
+              <a:rPr lang="en-US" dirty="0" smtClean="0"/>
+              <a:t>If 3CO: sis-co-ten = IFD1 + foci3 to end</a:t>
+            </a:r>
           </a:p>
           <a:p>
             <a:endParaRPr lang="en-US" dirty="0"/>
@@ -768,7 +803,7 @@
     </p:spTree>
     <p:extLst>
       <p:ext uri="{BB962C8B-B14F-4D97-AF65-F5344CB8AC3E}">
-        <p14:creationId xmlns:p14="http://schemas.microsoft.com/office/powerpoint/2010/main" val="935427372"/>
+        <p14:creationId xmlns:p14="http://schemas.microsoft.com/office/powerpoint/2010/main" val="2879161446"/>
       </p:ext>
     </p:extLst>
   </p:cSld>
@@ -824,8 +859,27 @@
           <a:p>
             <a:r>
               <a:rPr lang="en-US" dirty="0" smtClean="0"/>
-              <a:t>puppet</a:t>
-            </a:r>
+              <a:t>Example of non-proportional condensation</a:t>
+            </a:r>
+          </a:p>
+          <a:p>
+            <a:endParaRPr lang="en-US" dirty="0" smtClean="0"/>
+          </a:p>
+          <a:p>
+            <a:r>
+              <a:rPr lang="en-US" dirty="0" smtClean="0"/>
+              <a:t>Metacentric </a:t>
+            </a:r>
+            <a:r>
+              <a:rPr lang="en-US" dirty="0" err="1" smtClean="0"/>
+              <a:t>chrm</a:t>
+            </a:r>
+            <a:r>
+              <a:rPr lang="en-US" dirty="0" smtClean="0"/>
+              <a:t> -- 1</a:t>
+            </a:r>
+          </a:p>
+          <a:p>
             <a:endParaRPr lang="en-US" dirty="0"/>
           </a:p>
         </p:txBody>
@@ -856,7 +910,7 @@
     </p:spTree>
     <p:extLst>
       <p:ext uri="{BB962C8B-B14F-4D97-AF65-F5344CB8AC3E}">
-        <p14:creationId xmlns:p14="http://schemas.microsoft.com/office/powerpoint/2010/main" val="138774524"/>
+        <p14:creationId xmlns:p14="http://schemas.microsoft.com/office/powerpoint/2010/main" val="3925958856"/>
       </p:ext>
     </p:extLst>
   </p:cSld>
@@ -911,29 +965,18 @@
           <a:lstStyle/>
           <a:p>
             <a:r>
+              <a:rPr lang="en-US" smtClean="0"/>
+              <a:t>siscoten </a:t>
+            </a:r>
+            <a:r>
               <a:rPr lang="en-US" dirty="0" smtClean="0"/>
-              <a:t>Example of non-proportional condensation</a:t>
-            </a:r>
-          </a:p>
-          <a:p>
-            <a:endParaRPr lang="en-US" dirty="0" smtClean="0"/>
-          </a:p>
-          <a:p>
-            <a:r>
-              <a:rPr lang="en-US" dirty="0" smtClean="0"/>
-              <a:t>Metacentric </a:t>
-            </a:r>
-            <a:r>
-              <a:rPr lang="en-US" dirty="0" err="1" smtClean="0"/>
-              <a:t>chrm</a:t>
-            </a:r>
-            <a:r>
-              <a:rPr lang="en-US" dirty="0" smtClean="0"/>
-              <a:t> -- 1</a:t>
-            </a:r>
-          </a:p>
-          <a:p>
-            <a:endParaRPr lang="en-US" dirty="0"/>
+              <a:t>by </a:t>
+            </a:r>
+            <a:r>
+              <a:rPr lang="en-US" smtClean="0"/>
+              <a:t>chromosome class</a:t>
+            </a:r>
+            <a:endParaRPr lang="en-US"/>
           </a:p>
         </p:txBody>
       </p:sp>
@@ -963,7 +1006,7 @@
     </p:spTree>
     <p:extLst>
       <p:ext uri="{BB962C8B-B14F-4D97-AF65-F5344CB8AC3E}">
-        <p14:creationId xmlns:p14="http://schemas.microsoft.com/office/powerpoint/2010/main" val="3925958856"/>
+        <p14:creationId xmlns:p14="http://schemas.microsoft.com/office/powerpoint/2010/main" val="1201077411"/>
       </p:ext>
     </p:extLst>
   </p:cSld>
@@ -1017,19 +1060,7 @@
           <a:bodyPr/>
           <a:lstStyle/>
           <a:p>
-            <a:r>
-              <a:rPr lang="en-US" smtClean="0"/>
-              <a:t>siscoten </a:t>
-            </a:r>
-            <a:r>
-              <a:rPr lang="en-US" dirty="0" smtClean="0"/>
-              <a:t>by </a:t>
-            </a:r>
-            <a:r>
-              <a:rPr lang="en-US" smtClean="0"/>
-              <a:t>chromosome class</a:t>
-            </a:r>
-            <a:endParaRPr lang="en-US"/>
+            <a:endParaRPr lang="en-US" dirty="0"/>
           </a:p>
         </p:txBody>
       </p:sp>
@@ -1050,7 +1081,7 @@
           <a:p>
             <a:fld id="{F0EA7D7A-8002-4A2C-84D6-677C6F176481}" type="slidenum">
               <a:rPr lang="en-US" smtClean="0"/>
-              <a:t>17</a:t>
+              <a:t>15</a:t>
             </a:fld>
             <a:endParaRPr lang="en-US"/>
           </a:p>
@@ -1059,7 +1090,7 @@
     </p:spTree>
     <p:extLst>
       <p:ext uri="{BB962C8B-B14F-4D97-AF65-F5344CB8AC3E}">
-        <p14:creationId xmlns:p14="http://schemas.microsoft.com/office/powerpoint/2010/main" val="1201077411"/>
+        <p14:creationId xmlns:p14="http://schemas.microsoft.com/office/powerpoint/2010/main" val="1579029675"/>
       </p:ext>
     </p:extLst>
   </p:cSld>
@@ -1162,7 +1193,7 @@
           <a:p>
             <a:fld id="{F0EA7D7A-8002-4A2C-84D6-677C6F176481}" type="slidenum">
               <a:rPr lang="en-US" smtClean="0"/>
-              <a:t>18</a:t>
+              <a:t>16</a:t>
             </a:fld>
             <a:endParaRPr lang="en-US"/>
           </a:p>
@@ -1246,7 +1277,7 @@
           <a:p>
             <a:fld id="{F0EA7D7A-8002-4A2C-84D6-677C6F176481}" type="slidenum">
               <a:rPr lang="en-US" smtClean="0"/>
-              <a:t>21</a:t>
+              <a:t>20</a:t>
             </a:fld>
             <a:endParaRPr lang="en-US"/>
           </a:p>
@@ -1310,6 +1341,168 @@
           <a:lstStyle/>
           <a:p>
             <a:r>
+              <a:rPr lang="en-US" dirty="0" err="1" smtClean="0"/>
+              <a:t>Pactyene</a:t>
+            </a:r>
+            <a:r>
+              <a:rPr lang="en-US" dirty="0" smtClean="0"/>
+              <a:t>  SC – the glue holding the </a:t>
+            </a:r>
+            <a:r>
+              <a:rPr lang="en-US" dirty="0" err="1" smtClean="0"/>
+              <a:t>chrms</a:t>
+            </a:r>
+            <a:r>
+              <a:rPr lang="en-US" dirty="0" smtClean="0"/>
+              <a:t> together is</a:t>
+            </a:r>
+            <a:r>
+              <a:rPr lang="en-US" baseline="0" dirty="0" smtClean="0"/>
+              <a:t> the SC</a:t>
+            </a:r>
+          </a:p>
+          <a:p>
+            <a:endParaRPr lang="en-US" baseline="0" dirty="0" smtClean="0"/>
+          </a:p>
+          <a:p>
+            <a:r>
+              <a:rPr lang="en-US" baseline="0" dirty="0" err="1" smtClean="0"/>
+              <a:t>Pachtyene</a:t>
+            </a:r>
+            <a:r>
+              <a:rPr lang="en-US" baseline="0" dirty="0" smtClean="0"/>
+              <a:t> – breaks down at </a:t>
+            </a:r>
+            <a:r>
+              <a:rPr lang="en-US" baseline="0" dirty="0" err="1" smtClean="0"/>
+              <a:t>diplotyene</a:t>
+            </a:r>
+            <a:endParaRPr lang="en-US" baseline="0" dirty="0" smtClean="0"/>
+          </a:p>
+          <a:p>
+            <a:endParaRPr lang="en-US" baseline="0" dirty="0" smtClean="0"/>
+          </a:p>
+          <a:p>
+            <a:r>
+              <a:rPr lang="en-US" baseline="0" dirty="0" err="1" smtClean="0"/>
+              <a:t>Diplotene</a:t>
+            </a:r>
+            <a:r>
+              <a:rPr lang="en-US" baseline="0" dirty="0" smtClean="0"/>
+              <a:t> on wards the glue holding the </a:t>
+            </a:r>
+            <a:r>
+              <a:rPr lang="en-US" baseline="0" dirty="0" err="1" smtClean="0"/>
+              <a:t>chrms</a:t>
+            </a:r>
+            <a:r>
+              <a:rPr lang="en-US" baseline="0" dirty="0" smtClean="0"/>
+              <a:t> together are sister </a:t>
+            </a:r>
+            <a:r>
+              <a:rPr lang="en-US" baseline="0" dirty="0" err="1" smtClean="0"/>
+              <a:t>cohesin</a:t>
+            </a:r>
+            <a:endParaRPr lang="en-US" baseline="0" dirty="0" smtClean="0"/>
+          </a:p>
+          <a:p>
+            <a:endParaRPr lang="en-US" baseline="0" dirty="0" smtClean="0"/>
+          </a:p>
+          <a:p>
+            <a:r>
+              <a:rPr lang="en-US" baseline="0" dirty="0" smtClean="0"/>
+              <a:t>Because of crossovers – the DNA material changes the centromere / kinetochore it’s attached to.</a:t>
+            </a:r>
+          </a:p>
+          <a:p>
+            <a:endParaRPr lang="en-US" baseline="0" dirty="0" smtClean="0"/>
+          </a:p>
+          <a:p>
+            <a:endParaRPr lang="en-US" dirty="0"/>
+          </a:p>
+        </p:txBody>
+      </p:sp>
+      <p:sp>
+        <p:nvSpPr>
+          <p:cNvPr id="4" name="Slide Number Placeholder 3"/>
+          <p:cNvSpPr>
+            <a:spLocks noGrp="1"/>
+          </p:cNvSpPr>
+          <p:nvPr>
+            <p:ph type="sldNum" sz="quarter" idx="10"/>
+          </p:nvPr>
+        </p:nvSpPr>
+        <p:spPr/>
+        <p:txBody>
+          <a:bodyPr/>
+          <a:lstStyle/>
+          <a:p>
+            <a:fld id="{F0EA7D7A-8002-4A2C-84D6-677C6F176481}" type="slidenum">
+              <a:rPr lang="en-US" smtClean="0"/>
+              <a:t>21</a:t>
+            </a:fld>
+            <a:endParaRPr lang="en-US"/>
+          </a:p>
+        </p:txBody>
+      </p:sp>
+    </p:spTree>
+    <p:extLst>
+      <p:ext uri="{BB962C8B-B14F-4D97-AF65-F5344CB8AC3E}">
+        <p14:creationId xmlns:p14="http://schemas.microsoft.com/office/powerpoint/2010/main" val="907817901"/>
+      </p:ext>
+    </p:extLst>
+  </p:cSld>
+  <p:clrMapOvr>
+    <a:masterClrMapping/>
+  </p:clrMapOvr>
+</p:notes>
+</file>
+
+<file path=ppt/notesSlides/notesSlide18.xml><?xml version="1.0" encoding="utf-8"?>
+<p:notes xmlns:a="http://schemas.openxmlformats.org/drawingml/2006/main" xmlns:r="http://schemas.openxmlformats.org/officeDocument/2006/relationships" xmlns:p="http://schemas.openxmlformats.org/presentationml/2006/main">
+  <p:cSld>
+    <p:spTree>
+      <p:nvGrpSpPr>
+        <p:cNvPr id="1" name=""/>
+        <p:cNvGrpSpPr/>
+        <p:nvPr/>
+      </p:nvGrpSpPr>
+      <p:grpSpPr>
+        <a:xfrm>
+          <a:off x="0" y="0"/>
+          <a:ext cx="0" cy="0"/>
+          <a:chOff x="0" y="0"/>
+          <a:chExt cx="0" cy="0"/>
+        </a:xfrm>
+      </p:grpSpPr>
+      <p:sp>
+        <p:nvSpPr>
+          <p:cNvPr id="2" name="Slide Image Placeholder 1"/>
+          <p:cNvSpPr>
+            <a:spLocks noGrp="1" noRot="1" noChangeAspect="1"/>
+          </p:cNvSpPr>
+          <p:nvPr>
+            <p:ph type="sldImg"/>
+          </p:nvPr>
+        </p:nvSpPr>
+        <p:spPr/>
+      </p:sp>
+      <p:sp>
+        <p:nvSpPr>
+          <p:cNvPr id="3" name="Notes Placeholder 2"/>
+          <p:cNvSpPr>
+            <a:spLocks noGrp="1"/>
+          </p:cNvSpPr>
+          <p:nvPr>
+            <p:ph type="body" idx="1"/>
+          </p:nvPr>
+        </p:nvSpPr>
+        <p:spPr/>
+        <p:txBody>
+          <a:bodyPr/>
+          <a:lstStyle/>
+          <a:p>
+            <a:r>
               <a:rPr lang="en-US" dirty="0" smtClean="0"/>
               <a:t>Try</a:t>
             </a:r>
@@ -2244,89 +2437,8 @@
           <a:p>
             <a:r>
               <a:rPr lang="en-US" dirty="0" smtClean="0"/>
-              <a:t>Still a constraint in Dom males  (and outgroups)</a:t>
-            </a:r>
-          </a:p>
-          <a:p>
-            <a:endParaRPr lang="en-US" dirty="0" smtClean="0"/>
-          </a:p>
-          <a:p>
-            <a:r>
-              <a:rPr lang="en-US" dirty="0" smtClean="0"/>
-              <a:t>But it</a:t>
-            </a:r>
-            <a:r>
-              <a:rPr lang="en-US" baseline="0" dirty="0" smtClean="0"/>
-              <a:t> is different in </a:t>
-            </a:r>
-            <a:r>
-              <a:rPr lang="en-US" baseline="0" dirty="0" err="1" smtClean="0"/>
-              <a:t>Musc</a:t>
-            </a:r>
-            <a:endParaRPr lang="en-US" dirty="0" smtClean="0"/>
-          </a:p>
-          <a:p>
-            <a:endParaRPr lang="en-US" dirty="0" smtClean="0"/>
-          </a:p>
-          <a:p>
-            <a:r>
-              <a:rPr lang="en-US" dirty="0" smtClean="0"/>
-              <a:t>High RR </a:t>
-            </a:r>
-            <a:r>
-              <a:rPr lang="en-US" dirty="0" err="1" smtClean="0"/>
-              <a:t>Musc</a:t>
-            </a:r>
-            <a:r>
-              <a:rPr lang="en-US" dirty="0" smtClean="0"/>
-              <a:t> males elevated </a:t>
-            </a:r>
-            <a:r>
-              <a:rPr lang="en-US" dirty="0" err="1" smtClean="0"/>
-              <a:t>gwRR</a:t>
-            </a:r>
-            <a:r>
-              <a:rPr lang="en-US" dirty="0" smtClean="0"/>
-              <a:t> due to more 2COs bivalents?</a:t>
-            </a:r>
-          </a:p>
-          <a:p>
-            <a:endParaRPr lang="en-US" dirty="0" smtClean="0"/>
-          </a:p>
-          <a:p>
-            <a:r>
-              <a:rPr lang="en-US" dirty="0" smtClean="0"/>
-              <a:t>How? (different constraints)? </a:t>
-            </a:r>
-          </a:p>
-          <a:p>
-            <a:pPr lvl="1"/>
-            <a:r>
-              <a:rPr lang="en-US" dirty="0" smtClean="0"/>
-              <a:t>More SC</a:t>
-            </a:r>
-          </a:p>
-          <a:p>
-            <a:pPr lvl="1"/>
-            <a:r>
-              <a:rPr lang="en-US" dirty="0" smtClean="0"/>
-              <a:t>Less space</a:t>
-            </a:r>
-          </a:p>
-          <a:p>
-            <a:pPr lvl="1"/>
-            <a:r>
-              <a:rPr lang="en-US" dirty="0" smtClean="0"/>
-              <a:t>More DSBs</a:t>
-            </a:r>
-          </a:p>
-          <a:p>
-            <a:r>
-              <a:rPr lang="en-US" dirty="0" smtClean="0"/>
-              <a:t>(motivation for measuring total SC) (total SC is good supplement for my bivalent data (it misses a lot of bivalents)</a:t>
-            </a:r>
-          </a:p>
-          <a:p>
+              <a:t>puppet</a:t>
+            </a:r>
             <a:endParaRPr lang="en-US" dirty="0"/>
           </a:p>
         </p:txBody>
@@ -2357,7 +2469,7 @@
     </p:spTree>
     <p:extLst>
       <p:ext uri="{BB962C8B-B14F-4D97-AF65-F5344CB8AC3E}">
-        <p14:creationId xmlns:p14="http://schemas.microsoft.com/office/powerpoint/2010/main" val="1566305928"/>
+        <p14:creationId xmlns:p14="http://schemas.microsoft.com/office/powerpoint/2010/main" val="138774524"/>
       </p:ext>
     </p:extLst>
   </p:cSld>
@@ -2411,84 +2523,6 @@
           <a:bodyPr/>
           <a:lstStyle/>
           <a:p>
-            <a:r>
-              <a:rPr lang="en-US" dirty="0" err="1" smtClean="0"/>
-              <a:t>Pactyene</a:t>
-            </a:r>
-            <a:r>
-              <a:rPr lang="en-US" dirty="0" smtClean="0"/>
-              <a:t>  SC – the glue holding the </a:t>
-            </a:r>
-            <a:r>
-              <a:rPr lang="en-US" dirty="0" err="1" smtClean="0"/>
-              <a:t>chrms</a:t>
-            </a:r>
-            <a:r>
-              <a:rPr lang="en-US" dirty="0" smtClean="0"/>
-              <a:t> together is</a:t>
-            </a:r>
-            <a:r>
-              <a:rPr lang="en-US" baseline="0" dirty="0" smtClean="0"/>
-              <a:t> the SC</a:t>
-            </a:r>
-          </a:p>
-          <a:p>
-            <a:endParaRPr lang="en-US" baseline="0" dirty="0" smtClean="0"/>
-          </a:p>
-          <a:p>
-            <a:r>
-              <a:rPr lang="en-US" baseline="0" dirty="0" err="1" smtClean="0"/>
-              <a:t>Pachtyene</a:t>
-            </a:r>
-            <a:r>
-              <a:rPr lang="en-US" baseline="0" dirty="0" smtClean="0"/>
-              <a:t> – breaks down at </a:t>
-            </a:r>
-            <a:r>
-              <a:rPr lang="en-US" baseline="0" dirty="0" err="1" smtClean="0"/>
-              <a:t>diplotyene</a:t>
-            </a:r>
-            <a:endParaRPr lang="en-US" baseline="0" dirty="0" smtClean="0"/>
-          </a:p>
-          <a:p>
-            <a:endParaRPr lang="en-US" baseline="0" dirty="0" smtClean="0"/>
-          </a:p>
-          <a:p>
-            <a:r>
-              <a:rPr lang="en-US" baseline="0" dirty="0" err="1" smtClean="0"/>
-              <a:t>Diplotene</a:t>
-            </a:r>
-            <a:r>
-              <a:rPr lang="en-US" baseline="0" dirty="0" smtClean="0"/>
-              <a:t> on wards the glue holding the </a:t>
-            </a:r>
-            <a:r>
-              <a:rPr lang="en-US" baseline="0" dirty="0" err="1" smtClean="0"/>
-              <a:t>chrms</a:t>
-            </a:r>
-            <a:r>
-              <a:rPr lang="en-US" baseline="0" dirty="0" smtClean="0"/>
-              <a:t> together are sister </a:t>
-            </a:r>
-            <a:r>
-              <a:rPr lang="en-US" baseline="0" dirty="0" err="1" smtClean="0"/>
-              <a:t>cohesin</a:t>
-            </a:r>
-            <a:endParaRPr lang="en-US" baseline="0" dirty="0" smtClean="0"/>
-          </a:p>
-          <a:p>
-            <a:endParaRPr lang="en-US" baseline="0" dirty="0" smtClean="0"/>
-          </a:p>
-          <a:p>
-            <a:r>
-              <a:rPr lang="en-US" baseline="0" dirty="0" smtClean="0"/>
-              <a:t>Because of crossovers – the DNA material changes the centromere / kinetochore it’s attached to.</a:t>
-            </a:r>
-          </a:p>
-          <a:p>
-            <a:endParaRPr lang="en-US" baseline="0" dirty="0" smtClean="0"/>
-          </a:p>
-          <a:p>
             <a:endParaRPr lang="en-US" dirty="0"/>
           </a:p>
         </p:txBody>
@@ -2519,7 +2553,7 @@
     </p:spTree>
     <p:extLst>
       <p:ext uri="{BB962C8B-B14F-4D97-AF65-F5344CB8AC3E}">
-        <p14:creationId xmlns:p14="http://schemas.microsoft.com/office/powerpoint/2010/main" val="907817901"/>
+        <p14:creationId xmlns:p14="http://schemas.microsoft.com/office/powerpoint/2010/main" val="4179654781"/>
       </p:ext>
     </p:extLst>
   </p:cSld>
@@ -2660,7 +2694,7 @@
           <a:p>
             <a:fld id="{42AFDB63-E6ED-410D-BDF5-2815B1BF4AAF}" type="datetimeFigureOut">
               <a:rPr lang="en-US" smtClean="0"/>
-              <a:t>9/9/2019</a:t>
+              <a:t>9/11/2019</a:t>
             </a:fld>
             <a:endParaRPr lang="en-US"/>
           </a:p>
@@ -2830,7 +2864,7 @@
           <a:p>
             <a:fld id="{42AFDB63-E6ED-410D-BDF5-2815B1BF4AAF}" type="datetimeFigureOut">
               <a:rPr lang="en-US" smtClean="0"/>
-              <a:t>9/9/2019</a:t>
+              <a:t>9/11/2019</a:t>
             </a:fld>
             <a:endParaRPr lang="en-US"/>
           </a:p>
@@ -3010,7 +3044,7 @@
           <a:p>
             <a:fld id="{42AFDB63-E6ED-410D-BDF5-2815B1BF4AAF}" type="datetimeFigureOut">
               <a:rPr lang="en-US" smtClean="0"/>
-              <a:t>9/9/2019</a:t>
+              <a:t>9/11/2019</a:t>
             </a:fld>
             <a:endParaRPr lang="en-US"/>
           </a:p>
@@ -3180,7 +3214,7 @@
           <a:p>
             <a:fld id="{42AFDB63-E6ED-410D-BDF5-2815B1BF4AAF}" type="datetimeFigureOut">
               <a:rPr lang="en-US" smtClean="0"/>
-              <a:t>9/9/2019</a:t>
+              <a:t>9/11/2019</a:t>
             </a:fld>
             <a:endParaRPr lang="en-US"/>
           </a:p>
@@ -3426,7 +3460,7 @@
           <a:p>
             <a:fld id="{42AFDB63-E6ED-410D-BDF5-2815B1BF4AAF}" type="datetimeFigureOut">
               <a:rPr lang="en-US" smtClean="0"/>
-              <a:t>9/9/2019</a:t>
+              <a:t>9/11/2019</a:t>
             </a:fld>
             <a:endParaRPr lang="en-US"/>
           </a:p>
@@ -3658,7 +3692,7 @@
           <a:p>
             <a:fld id="{42AFDB63-E6ED-410D-BDF5-2815B1BF4AAF}" type="datetimeFigureOut">
               <a:rPr lang="en-US" smtClean="0"/>
-              <a:t>9/9/2019</a:t>
+              <a:t>9/11/2019</a:t>
             </a:fld>
             <a:endParaRPr lang="en-US"/>
           </a:p>
@@ -4025,7 +4059,7 @@
           <a:p>
             <a:fld id="{42AFDB63-E6ED-410D-BDF5-2815B1BF4AAF}" type="datetimeFigureOut">
               <a:rPr lang="en-US" smtClean="0"/>
-              <a:t>9/9/2019</a:t>
+              <a:t>9/11/2019</a:t>
             </a:fld>
             <a:endParaRPr lang="en-US"/>
           </a:p>
@@ -4143,7 +4177,7 @@
           <a:p>
             <a:fld id="{42AFDB63-E6ED-410D-BDF5-2815B1BF4AAF}" type="datetimeFigureOut">
               <a:rPr lang="en-US" smtClean="0"/>
-              <a:t>9/9/2019</a:t>
+              <a:t>9/11/2019</a:t>
             </a:fld>
             <a:endParaRPr lang="en-US"/>
           </a:p>
@@ -4238,7 +4272,7 @@
           <a:p>
             <a:fld id="{42AFDB63-E6ED-410D-BDF5-2815B1BF4AAF}" type="datetimeFigureOut">
               <a:rPr lang="en-US" smtClean="0"/>
-              <a:t>9/9/2019</a:t>
+              <a:t>9/11/2019</a:t>
             </a:fld>
             <a:endParaRPr lang="en-US"/>
           </a:p>
@@ -4515,7 +4549,7 @@
           <a:p>
             <a:fld id="{42AFDB63-E6ED-410D-BDF5-2815B1BF4AAF}" type="datetimeFigureOut">
               <a:rPr lang="en-US" smtClean="0"/>
-              <a:t>9/9/2019</a:t>
+              <a:t>9/11/2019</a:t>
             </a:fld>
             <a:endParaRPr lang="en-US"/>
           </a:p>
@@ -4768,7 +4802,7 @@
           <a:p>
             <a:fld id="{42AFDB63-E6ED-410D-BDF5-2815B1BF4AAF}" type="datetimeFigureOut">
               <a:rPr lang="en-US" smtClean="0"/>
-              <a:t>9/9/2019</a:t>
+              <a:t>9/11/2019</a:t>
             </a:fld>
             <a:endParaRPr lang="en-US"/>
           </a:p>
@@ -4981,7 +5015,7 @@
           <a:p>
             <a:fld id="{42AFDB63-E6ED-410D-BDF5-2815B1BF4AAF}" type="datetimeFigureOut">
               <a:rPr lang="en-US" smtClean="0"/>
-              <a:t>9/9/2019</a:t>
+              <a:t>9/11/2019</a:t>
             </a:fld>
             <a:endParaRPr lang="en-US"/>
           </a:p>
@@ -5435,11 +5469,7 @@
           <a:p>
             <a:r>
               <a:rPr lang="en-US" sz="3200" dirty="0" smtClean="0"/>
-              <a:t>April </a:t>
-            </a:r>
-            <a:r>
-              <a:rPr lang="en-US" sz="3200" dirty="0" smtClean="0"/>
-              <a:t>Peterson Research Updates</a:t>
+              <a:t>April Peterson Research Updates</a:t>
             </a:r>
             <a:endParaRPr lang="en-US" sz="3200" dirty="0"/>
           </a:p>
@@ -7062,9 +7092,47 @@
           <a:p>
             <a:r>
               <a:rPr lang="en-US" dirty="0" smtClean="0"/>
-              <a:t>Bivalents at Metaphase</a:t>
+              <a:t>Prophase review</a:t>
             </a:r>
             <a:endParaRPr lang="en-US" dirty="0"/>
+          </a:p>
+        </p:txBody>
+      </p:sp>
+      <p:sp>
+        <p:nvSpPr>
+          <p:cNvPr id="3" name="Content Placeholder 2"/>
+          <p:cNvSpPr>
+            <a:spLocks noGrp="1"/>
+          </p:cNvSpPr>
+          <p:nvPr>
+            <p:ph sz="half" idx="1"/>
+          </p:nvPr>
+        </p:nvSpPr>
+        <p:spPr/>
+        <p:txBody>
+          <a:bodyPr/>
+          <a:lstStyle/>
+          <a:p>
+            <a:endParaRPr lang="en-US"/>
+          </a:p>
+        </p:txBody>
+      </p:sp>
+      <p:sp>
+        <p:nvSpPr>
+          <p:cNvPr id="4" name="Content Placeholder 3"/>
+          <p:cNvSpPr>
+            <a:spLocks noGrp="1"/>
+          </p:cNvSpPr>
+          <p:nvPr>
+            <p:ph sz="half" idx="2"/>
+          </p:nvPr>
+        </p:nvSpPr>
+        <p:spPr/>
+        <p:txBody>
+          <a:bodyPr/>
+          <a:lstStyle/>
+          <a:p>
+            <a:endParaRPr lang="en-US"/>
           </a:p>
         </p:txBody>
       </p:sp>
@@ -7072,75 +7140,32 @@
         <p:nvPicPr>
           <p:cNvPr id="5" name="Content Placeholder 4"/>
           <p:cNvPicPr>
-            <a:picLocks noGrp="1" noChangeAspect="1"/>
+            <a:picLocks noChangeAspect="1"/>
           </p:cNvPicPr>
-          <p:nvPr>
-            <p:ph sz="half" idx="1"/>
-          </p:nvPr>
+          <p:nvPr/>
         </p:nvPicPr>
-        <p:blipFill rotWithShape="1">
-          <a:blip r:embed="rId3" cstate="print">
+        <p:blipFill>
+          <a:blip r:embed="rId3">
             <a:extLst>
               <a:ext uri="{28A0092B-C50C-407E-A947-70E740481C1C}">
                 <a14:useLocalDpi xmlns:a14="http://schemas.microsoft.com/office/drawing/2010/main" val="0"/>
               </a:ext>
             </a:extLst>
           </a:blip>
-          <a:srcRect l="8442" t="22973" r="13248" b="20719"/>
-          <a:stretch/>
+          <a:stretch>
+            <a:fillRect/>
+          </a:stretch>
         </p:blipFill>
         <p:spPr>
           <a:xfrm>
-            <a:off x="2965175" y="1836710"/>
-            <a:ext cx="4513385" cy="4327052"/>
+            <a:off x="2043753" y="1690688"/>
+            <a:ext cx="7434075" cy="4791395"/>
           </a:xfrm>
+          <a:prstGeom prst="rect">
+            <a:avLst/>
+          </a:prstGeom>
         </p:spPr>
       </p:pic>
-      <p:sp>
-        <p:nvSpPr>
-          <p:cNvPr id="4" name="Content Placeholder 3"/>
-          <p:cNvSpPr>
-            <a:spLocks noGrp="1"/>
-          </p:cNvSpPr>
-          <p:nvPr>
-            <p:ph sz="half" idx="2"/>
-          </p:nvPr>
-        </p:nvSpPr>
-        <p:spPr>
-          <a:xfrm>
-            <a:off x="7660639" y="1751556"/>
-            <a:ext cx="4011213" cy="4351338"/>
-          </a:xfrm>
-        </p:spPr>
-        <p:txBody>
-          <a:bodyPr/>
-          <a:lstStyle/>
-          <a:p>
-            <a:r>
-              <a:rPr lang="en-US" dirty="0" smtClean="0"/>
-              <a:t>(lets think about the consequences / outcomes of CO number and position at metaphase)</a:t>
-            </a:r>
-          </a:p>
-          <a:p>
-            <a:r>
-              <a:rPr lang="en-US" dirty="0" smtClean="0"/>
-              <a:t>Sister </a:t>
-            </a:r>
-            <a:r>
-              <a:rPr lang="en-US" dirty="0" err="1" smtClean="0"/>
-              <a:t>cohesin</a:t>
-            </a:r>
-            <a:r>
-              <a:rPr lang="en-US" dirty="0" smtClean="0"/>
-              <a:t> is the glue maintains helps the tension when kinetochore attaches to spindle.</a:t>
-            </a:r>
-            <a:endParaRPr lang="en-US" dirty="0"/>
-          </a:p>
-          <a:p>
-            <a:endParaRPr lang="en-US" dirty="0"/>
-          </a:p>
-        </p:txBody>
-      </p:sp>
       <p:pic>
         <p:nvPicPr>
           <p:cNvPr id="6" name="Picture 5"/>
@@ -7150,7 +7175,7 @@
           <p:nvPr/>
         </p:nvPicPr>
         <p:blipFill rotWithShape="1">
-          <a:blip r:embed="rId4">
+          <a:blip r:embed="rId4" cstate="print">
             <a:extLst>
               <a:ext uri="{28A0092B-C50C-407E-A947-70E740481C1C}">
                 <a14:useLocalDpi xmlns:a14="http://schemas.microsoft.com/office/drawing/2010/main" val="0"/>
@@ -7162,8 +7187,8 @@
         </p:blipFill>
         <p:spPr>
           <a:xfrm>
-            <a:off x="662353" y="1751556"/>
-            <a:ext cx="1311621" cy="3640859"/>
+            <a:off x="9630228" y="1016173"/>
+            <a:ext cx="836641" cy="2322388"/>
           </a:xfrm>
           <a:prstGeom prst="rect">
             <a:avLst/>
@@ -7173,7 +7198,7 @@
     </p:spTree>
     <p:extLst>
       <p:ext uri="{BB962C8B-B14F-4D97-AF65-F5344CB8AC3E}">
-        <p14:creationId xmlns:p14="http://schemas.microsoft.com/office/powerpoint/2010/main" val="117800678"/>
+        <p14:creationId xmlns:p14="http://schemas.microsoft.com/office/powerpoint/2010/main" val="2670640899"/>
       </p:ext>
     </p:extLst>
   </p:cSld>
@@ -7207,161 +7232,6 @@
           <a:chExt cx="0" cy="0"/>
         </a:xfrm>
       </p:grpSpPr>
-      <p:sp>
-        <p:nvSpPr>
-          <p:cNvPr id="2" name="Title 1"/>
-          <p:cNvSpPr>
-            <a:spLocks noGrp="1"/>
-          </p:cNvSpPr>
-          <p:nvPr>
-            <p:ph type="title"/>
-          </p:nvPr>
-        </p:nvSpPr>
-        <p:spPr/>
-        <p:txBody>
-          <a:bodyPr/>
-          <a:lstStyle/>
-          <a:p>
-            <a:r>
-              <a:rPr lang="en-US" dirty="0" smtClean="0"/>
-              <a:t>Prophase review</a:t>
-            </a:r>
-            <a:endParaRPr lang="en-US" dirty="0"/>
-          </a:p>
-        </p:txBody>
-      </p:sp>
-      <p:sp>
-        <p:nvSpPr>
-          <p:cNvPr id="3" name="Content Placeholder 2"/>
-          <p:cNvSpPr>
-            <a:spLocks noGrp="1"/>
-          </p:cNvSpPr>
-          <p:nvPr>
-            <p:ph sz="half" idx="1"/>
-          </p:nvPr>
-        </p:nvSpPr>
-        <p:spPr/>
-        <p:txBody>
-          <a:bodyPr/>
-          <a:lstStyle/>
-          <a:p>
-            <a:endParaRPr lang="en-US"/>
-          </a:p>
-        </p:txBody>
-      </p:sp>
-      <p:sp>
-        <p:nvSpPr>
-          <p:cNvPr id="4" name="Content Placeholder 3"/>
-          <p:cNvSpPr>
-            <a:spLocks noGrp="1"/>
-          </p:cNvSpPr>
-          <p:nvPr>
-            <p:ph sz="half" idx="2"/>
-          </p:nvPr>
-        </p:nvSpPr>
-        <p:spPr/>
-        <p:txBody>
-          <a:bodyPr/>
-          <a:lstStyle/>
-          <a:p>
-            <a:endParaRPr lang="en-US"/>
-          </a:p>
-        </p:txBody>
-      </p:sp>
-      <p:pic>
-        <p:nvPicPr>
-          <p:cNvPr id="5" name="Content Placeholder 4"/>
-          <p:cNvPicPr>
-            <a:picLocks noChangeAspect="1"/>
-          </p:cNvPicPr>
-          <p:nvPr/>
-        </p:nvPicPr>
-        <p:blipFill>
-          <a:blip r:embed="rId3">
-            <a:extLst>
-              <a:ext uri="{28A0092B-C50C-407E-A947-70E740481C1C}">
-                <a14:useLocalDpi xmlns:a14="http://schemas.microsoft.com/office/drawing/2010/main" val="0"/>
-              </a:ext>
-            </a:extLst>
-          </a:blip>
-          <a:stretch>
-            <a:fillRect/>
-          </a:stretch>
-        </p:blipFill>
-        <p:spPr>
-          <a:xfrm>
-            <a:off x="2043753" y="1690688"/>
-            <a:ext cx="7434075" cy="4791395"/>
-          </a:xfrm>
-          <a:prstGeom prst="rect">
-            <a:avLst/>
-          </a:prstGeom>
-        </p:spPr>
-      </p:pic>
-    </p:spTree>
-    <p:extLst>
-      <p:ext uri="{BB962C8B-B14F-4D97-AF65-F5344CB8AC3E}">
-        <p14:creationId xmlns:p14="http://schemas.microsoft.com/office/powerpoint/2010/main" val="2670640899"/>
-      </p:ext>
-    </p:extLst>
-  </p:cSld>
-  <p:clrMapOvr>
-    <a:masterClrMapping/>
-  </p:clrMapOvr>
-  <p:timing>
-    <p:tnLst>
-      <p:par>
-        <p:cTn id="1" dur="indefinite" restart="never" nodeType="tmRoot"/>
-      </p:par>
-    </p:tnLst>
-  </p:timing>
-</p:sld>
-</file>
-
-<file path=ppt/slides/slide12.xml><?xml version="1.0" encoding="utf-8"?>
-<p:sld xmlns:a="http://schemas.openxmlformats.org/drawingml/2006/main" xmlns:r="http://schemas.openxmlformats.org/officeDocument/2006/relationships" xmlns:p="http://schemas.openxmlformats.org/presentationml/2006/main">
-  <p:cSld>
-    <p:spTree>
-      <p:nvGrpSpPr>
-        <p:cNvPr id="1" name=""/>
-        <p:cNvGrpSpPr/>
-        <p:nvPr/>
-      </p:nvGrpSpPr>
-      <p:grpSpPr>
-        <a:xfrm>
-          <a:off x="0" y="0"/>
-          <a:ext cx="0" cy="0"/>
-          <a:chOff x="0" y="0"/>
-          <a:chExt cx="0" cy="0"/>
-        </a:xfrm>
-      </p:grpSpPr>
-      <p:sp>
-        <p:nvSpPr>
-          <p:cNvPr id="2" name="Title 1"/>
-          <p:cNvSpPr>
-            <a:spLocks noGrp="1"/>
-          </p:cNvSpPr>
-          <p:nvPr>
-            <p:ph type="title"/>
-          </p:nvPr>
-        </p:nvSpPr>
-        <p:spPr/>
-        <p:txBody>
-          <a:bodyPr/>
-          <a:lstStyle/>
-          <a:p>
-            <a:r>
-              <a:rPr lang="en-US" dirty="0"/>
-              <a:t>s</a:t>
-            </a:r>
-            <a:r>
-              <a:rPr lang="en-US" dirty="0" smtClean="0"/>
-              <a:t>ister cohesion generated tension as a constraint</a:t>
-            </a:r>
-            <a:endParaRPr lang="en-US" dirty="0"/>
-          </a:p>
-        </p:txBody>
-      </p:sp>
       <p:pic>
         <p:nvPicPr>
           <p:cNvPr id="2050" name="Picture 2" descr="The role of sister chromatid cohesion in meiosis. Cohesion complex proteins deposited along chromosomes (red and blue) during premeiotic S phase ensure sister chromatid cohesion and are necessary for the formation of the SC. This facilitates the formation of interhomolog exchanges during pachytene, which are evident as chiasmata. Cohesion between sister chromatid arms maintains the chiasmata, which keep the two homologs connected up to and during metaphase I. In S. cerevisiae, the monopolins bind to centromeres and facilitate monopolar kinetochore orientation at metaphase I (55, 56). Homolog segregation at anaphase I is made possible by the release of cohesion along chromatid arms, whereas cohesion at the centromere is protected from release until anaphase II. Â "/>
@@ -7806,6 +7676,134 @@
 </p:sld>
 </file>
 
+<file path=ppt/slides/slide12.xml><?xml version="1.0" encoding="utf-8"?>
+<p:sld xmlns:a="http://schemas.openxmlformats.org/drawingml/2006/main" xmlns:r="http://schemas.openxmlformats.org/officeDocument/2006/relationships" xmlns:p="http://schemas.openxmlformats.org/presentationml/2006/main">
+  <p:cSld>
+    <p:spTree>
+      <p:nvGrpSpPr>
+        <p:cNvPr id="1" name=""/>
+        <p:cNvGrpSpPr/>
+        <p:nvPr/>
+      </p:nvGrpSpPr>
+      <p:grpSpPr>
+        <a:xfrm>
+          <a:off x="0" y="0"/>
+          <a:ext cx="0" cy="0"/>
+          <a:chOff x="0" y="0"/>
+          <a:chExt cx="0" cy="0"/>
+        </a:xfrm>
+      </p:grpSpPr>
+      <p:sp>
+        <p:nvSpPr>
+          <p:cNvPr id="2" name="Title 1"/>
+          <p:cNvSpPr>
+            <a:spLocks noGrp="1"/>
+          </p:cNvSpPr>
+          <p:nvPr>
+            <p:ph type="title"/>
+          </p:nvPr>
+        </p:nvSpPr>
+        <p:spPr/>
+        <p:txBody>
+          <a:bodyPr/>
+          <a:lstStyle/>
+          <a:p>
+            <a:r>
+              <a:rPr lang="en-US" dirty="0" smtClean="0"/>
+              <a:t>New metric</a:t>
+            </a:r>
+            <a:endParaRPr lang="en-US" dirty="0"/>
+          </a:p>
+        </p:txBody>
+      </p:sp>
+      <p:pic>
+        <p:nvPicPr>
+          <p:cNvPr id="5" name="Picture 4"/>
+          <p:cNvPicPr>
+            <a:picLocks noChangeAspect="1"/>
+          </p:cNvPicPr>
+          <p:nvPr/>
+        </p:nvPicPr>
+        <p:blipFill rotWithShape="1">
+          <a:blip r:embed="rId3">
+            <a:extLst>
+              <a:ext uri="{28A0092B-C50C-407E-A947-70E740481C1C}">
+                <a14:useLocalDpi xmlns:a14="http://schemas.microsoft.com/office/drawing/2010/main" val="0"/>
+              </a:ext>
+            </a:extLst>
+          </a:blip>
+          <a:srcRect l="13760" t="8242" r="64394" b="10879"/>
+          <a:stretch/>
+        </p:blipFill>
+        <p:spPr>
+          <a:xfrm>
+            <a:off x="4784379" y="2052604"/>
+            <a:ext cx="1311621" cy="3640859"/>
+          </a:xfrm>
+          <a:prstGeom prst="rect">
+            <a:avLst/>
+          </a:prstGeom>
+        </p:spPr>
+      </p:pic>
+      <p:sp>
+        <p:nvSpPr>
+          <p:cNvPr id="8" name="Left Brace 7"/>
+          <p:cNvSpPr/>
+          <p:nvPr/>
+        </p:nvSpPr>
+        <p:spPr>
+          <a:xfrm>
+            <a:off x="4191255" y="3452903"/>
+            <a:ext cx="593124" cy="1820430"/>
+          </a:xfrm>
+          <a:prstGeom prst="leftBrace">
+            <a:avLst/>
+          </a:prstGeom>
+          <a:ln w="38100"/>
+        </p:spPr>
+        <p:style>
+          <a:lnRef idx="1">
+            <a:schemeClr val="accent1"/>
+          </a:lnRef>
+          <a:fillRef idx="0">
+            <a:schemeClr val="accent1"/>
+          </a:fillRef>
+          <a:effectRef idx="0">
+            <a:schemeClr val="accent1"/>
+          </a:effectRef>
+          <a:fontRef idx="minor">
+            <a:schemeClr val="tx1"/>
+          </a:fontRef>
+        </p:style>
+        <p:txBody>
+          <a:bodyPr rtlCol="0" anchor="ctr"/>
+          <a:lstStyle/>
+          <a:p>
+            <a:pPr algn="ctr"/>
+            <a:endParaRPr lang="en-US"/>
+          </a:p>
+        </p:txBody>
+      </p:sp>
+    </p:spTree>
+    <p:extLst>
+      <p:ext uri="{BB962C8B-B14F-4D97-AF65-F5344CB8AC3E}">
+        <p14:creationId xmlns:p14="http://schemas.microsoft.com/office/powerpoint/2010/main" val="2895215223"/>
+      </p:ext>
+    </p:extLst>
+  </p:cSld>
+  <p:clrMapOvr>
+    <a:masterClrMapping/>
+  </p:clrMapOvr>
+  <p:timing>
+    <p:tnLst>
+      <p:par>
+        <p:cTn id="1" dur="indefinite" restart="never" nodeType="tmRoot"/>
+      </p:par>
+    </p:tnLst>
+  </p:timing>
+</p:sld>
+</file>
+
 <file path=ppt/slides/slide13.xml><?xml version="1.0" encoding="utf-8"?>
 <p:sld xmlns:a="http://schemas.openxmlformats.org/drawingml/2006/main" xmlns:r="http://schemas.openxmlformats.org/officeDocument/2006/relationships" xmlns:p="http://schemas.openxmlformats.org/presentationml/2006/main">
   <p:cSld>
@@ -7823,35 +7821,6 @@
           <a:chExt cx="0" cy="0"/>
         </a:xfrm>
       </p:grpSpPr>
-      <p:pic>
-        <p:nvPicPr>
-          <p:cNvPr id="6" name="Content Placeholder 5"/>
-          <p:cNvPicPr>
-            <a:picLocks noGrp="1" noChangeAspect="1"/>
-          </p:cNvPicPr>
-          <p:nvPr>
-            <p:ph sz="half" idx="1"/>
-          </p:nvPr>
-        </p:nvPicPr>
-        <p:blipFill>
-          <a:blip r:embed="rId3">
-            <a:extLst>
-              <a:ext uri="{28A0092B-C50C-407E-A947-70E740481C1C}">
-                <a14:useLocalDpi xmlns:a14="http://schemas.microsoft.com/office/drawing/2010/main" val="0"/>
-              </a:ext>
-            </a:extLst>
-          </a:blip>
-          <a:stretch>
-            <a:fillRect/>
-          </a:stretch>
-        </p:blipFill>
-        <p:spPr>
-          <a:xfrm>
-            <a:off x="2597150" y="2083839"/>
-            <a:ext cx="6387193" cy="4126127"/>
-          </a:xfrm>
-        </p:spPr>
-      </p:pic>
       <p:sp>
         <p:nvSpPr>
           <p:cNvPr id="2" name="Title 1"/>
@@ -7867,47 +7836,110 @@
           <a:bodyPr/>
           <a:lstStyle/>
           <a:p>
+            <a:endParaRPr lang="en-US" dirty="0"/>
+          </a:p>
+        </p:txBody>
+      </p:sp>
+      <p:sp>
+        <p:nvSpPr>
+          <p:cNvPr id="3" name="Content Placeholder 2"/>
+          <p:cNvSpPr>
+            <a:spLocks noGrp="1"/>
+          </p:cNvSpPr>
+          <p:nvPr>
+            <p:ph sz="half" idx="1"/>
+          </p:nvPr>
+        </p:nvSpPr>
+        <p:spPr/>
+        <p:txBody>
+          <a:bodyPr>
+            <a:normAutofit lnSpcReduction="10000"/>
+          </a:bodyPr>
+          <a:lstStyle/>
+          <a:p>
             <a:r>
               <a:rPr lang="en-US" dirty="0" smtClean="0"/>
-              <a:t>Sis-co-ten modulated by CO number and position</a:t>
-            </a:r>
+              <a:t>Sis-co-ten as constraint</a:t>
+            </a:r>
+          </a:p>
+          <a:p>
+            <a:pPr lvl="1"/>
+            <a:r>
+              <a:rPr lang="en-US" dirty="0"/>
+              <a:t>This value should be consistent across bivalents of similar size</a:t>
+            </a:r>
+          </a:p>
+          <a:p>
+            <a:pPr lvl="1"/>
+            <a:r>
+              <a:rPr lang="en-US" dirty="0"/>
+              <a:t>Across cells and individuals</a:t>
+            </a:r>
+          </a:p>
+          <a:p>
+            <a:endParaRPr lang="en-US" dirty="0" smtClean="0"/>
+          </a:p>
+          <a:p>
+            <a:r>
+              <a:rPr lang="en-US" dirty="0" smtClean="0"/>
+              <a:t>Assumptions</a:t>
+            </a:r>
+          </a:p>
+          <a:p>
+            <a:pPr lvl="1"/>
+            <a:r>
+              <a:rPr lang="en-US" dirty="0" smtClean="0"/>
+              <a:t>Uniform/ equivalent condensation of chromatids</a:t>
+            </a:r>
+          </a:p>
+          <a:p>
+            <a:pPr lvl="1"/>
+            <a:r>
+              <a:rPr lang="en-US" dirty="0" smtClean="0"/>
+              <a:t>Bivalent interference- only 2 of 4 chromatids have COs</a:t>
+            </a:r>
+          </a:p>
+          <a:p>
+            <a:pPr lvl="1"/>
+            <a:r>
+              <a:rPr lang="en-US" dirty="0" smtClean="0"/>
+              <a:t>Conserved / Same astral / MT tension force</a:t>
+            </a:r>
+          </a:p>
+          <a:p>
+            <a:pPr lvl="1"/>
             <a:endParaRPr lang="en-US" dirty="0"/>
           </a:p>
         </p:txBody>
       </p:sp>
-      <p:pic>
-        <p:nvPicPr>
-          <p:cNvPr id="5" name="Content Placeholder 4"/>
-          <p:cNvPicPr>
-            <a:picLocks noChangeAspect="1"/>
-          </p:cNvPicPr>
-          <p:nvPr/>
-        </p:nvPicPr>
-        <p:blipFill rotWithShape="1">
-          <a:blip r:embed="rId4" cstate="print">
-            <a:extLst>
-              <a:ext uri="{28A0092B-C50C-407E-A947-70E740481C1C}">
-                <a14:useLocalDpi xmlns:a14="http://schemas.microsoft.com/office/drawing/2010/main" val="0"/>
-              </a:ext>
-            </a:extLst>
-          </a:blip>
-          <a:srcRect l="8442" t="22973" r="13248" b="59522"/>
-          <a:stretch/>
-        </p:blipFill>
-        <p:spPr>
-          <a:xfrm>
-            <a:off x="2597150" y="2935872"/>
-            <a:ext cx="6706913" cy="1998983"/>
-          </a:xfrm>
-          <a:prstGeom prst="rect">
-            <a:avLst/>
-          </a:prstGeom>
-        </p:spPr>
-      </p:pic>
+      <p:sp>
+        <p:nvSpPr>
+          <p:cNvPr id="4" name="Content Placeholder 3"/>
+          <p:cNvSpPr>
+            <a:spLocks noGrp="1"/>
+          </p:cNvSpPr>
+          <p:nvPr>
+            <p:ph sz="half" idx="2"/>
+          </p:nvPr>
+        </p:nvSpPr>
+        <p:spPr/>
+        <p:txBody>
+          <a:bodyPr>
+            <a:normAutofit lnSpcReduction="10000"/>
+          </a:bodyPr>
+          <a:lstStyle/>
+          <a:p>
+            <a:r>
+              <a:rPr lang="en-US" dirty="0" smtClean="0"/>
+              <a:t>(expected patterns)</a:t>
+            </a:r>
+          </a:p>
+        </p:txBody>
+      </p:sp>
     </p:spTree>
     <p:extLst>
       <p:ext uri="{BB962C8B-B14F-4D97-AF65-F5344CB8AC3E}">
-        <p14:creationId xmlns:p14="http://schemas.microsoft.com/office/powerpoint/2010/main" val="2330726757"/>
+        <p14:creationId xmlns:p14="http://schemas.microsoft.com/office/powerpoint/2010/main" val="4002786404"/>
       </p:ext>
     </p:extLst>
   </p:cSld>
@@ -7917,75 +7949,7 @@
   <p:timing>
     <p:tnLst>
       <p:par>
-        <p:cTn id="1" dur="indefinite" restart="never" nodeType="tmRoot">
-          <p:childTnLst>
-            <p:seq concurrent="1" nextAc="seek">
-              <p:cTn id="2" dur="indefinite" nodeType="mainSeq">
-                <p:childTnLst>
-                  <p:par>
-                    <p:cTn id="3" fill="hold">
-                      <p:stCondLst>
-                        <p:cond delay="indefinite"/>
-                      </p:stCondLst>
-                      <p:childTnLst>
-                        <p:par>
-                          <p:cTn id="4" fill="hold">
-                            <p:stCondLst>
-                              <p:cond delay="0"/>
-                            </p:stCondLst>
-                            <p:childTnLst>
-                              <p:par>
-                                <p:cTn id="5" presetID="1" presetClass="entr" presetSubtype="0" fill="hold" nodeType="clickEffect">
-                                  <p:stCondLst>
-                                    <p:cond delay="0"/>
-                                  </p:stCondLst>
-                                  <p:childTnLst>
-                                    <p:set>
-                                      <p:cBhvr>
-                                        <p:cTn id="6" dur="1" fill="hold">
-                                          <p:stCondLst>
-                                            <p:cond delay="0"/>
-                                          </p:stCondLst>
-                                        </p:cTn>
-                                        <p:tgtEl>
-                                          <p:spTgt spid="5"/>
-                                        </p:tgtEl>
-                                        <p:attrNameLst>
-                                          <p:attrName>style.visibility</p:attrName>
-                                        </p:attrNameLst>
-                                      </p:cBhvr>
-                                      <p:to>
-                                        <p:strVal val="visible"/>
-                                      </p:to>
-                                    </p:set>
-                                  </p:childTnLst>
-                                </p:cTn>
-                              </p:par>
-                            </p:childTnLst>
-                          </p:cTn>
-                        </p:par>
-                      </p:childTnLst>
-                    </p:cTn>
-                  </p:par>
-                </p:childTnLst>
-              </p:cTn>
-              <p:prevCondLst>
-                <p:cond evt="onPrev" delay="0">
-                  <p:tgtEl>
-                    <p:sldTgt/>
-                  </p:tgtEl>
-                </p:cond>
-              </p:prevCondLst>
-              <p:nextCondLst>
-                <p:cond evt="onNext" delay="0">
-                  <p:tgtEl>
-                    <p:sldTgt/>
-                  </p:tgtEl>
-                </p:cond>
-              </p:nextCondLst>
-            </p:seq>
-          </p:childTnLst>
-        </p:cTn>
+        <p:cTn id="1" dur="indefinite" restart="never" nodeType="tmRoot"/>
       </p:par>
     </p:tnLst>
   </p:timing>
@@ -8024,7 +7988,7 @@
           <a:bodyPr/>
           <a:lstStyle/>
           <a:p>
-            <a:endParaRPr lang="en-US" dirty="0"/>
+            <a:endParaRPr lang="en-US"/>
           </a:p>
         </p:txBody>
       </p:sp>
@@ -8040,63 +8004,10 @@
         </p:nvSpPr>
         <p:spPr/>
         <p:txBody>
-          <a:bodyPr>
-            <a:normAutofit lnSpcReduction="10000"/>
-          </a:bodyPr>
+          <a:bodyPr/>
           <a:lstStyle/>
           <a:p>
-            <a:r>
-              <a:rPr lang="en-US" dirty="0" smtClean="0"/>
-              <a:t>Sis-co-ten as constraint</a:t>
-            </a:r>
-          </a:p>
-          <a:p>
-            <a:pPr lvl="1"/>
-            <a:r>
-              <a:rPr lang="en-US" dirty="0"/>
-              <a:t>This value should be consistent across bivalents of similar size</a:t>
-            </a:r>
-          </a:p>
-          <a:p>
-            <a:pPr lvl="1"/>
-            <a:r>
-              <a:rPr lang="en-US" dirty="0"/>
-              <a:t>Across cells and individuals</a:t>
-            </a:r>
-          </a:p>
-          <a:p>
-            <a:endParaRPr lang="en-US" dirty="0" smtClean="0"/>
-          </a:p>
-          <a:p>
-            <a:r>
-              <a:rPr lang="en-US" dirty="0" smtClean="0"/>
-              <a:t>Assumptions</a:t>
-            </a:r>
-          </a:p>
-          <a:p>
-            <a:pPr lvl="1"/>
-            <a:r>
-              <a:rPr lang="en-US" dirty="0" smtClean="0"/>
-              <a:t>Uniform/ equivalent condensation of chromatids</a:t>
-            </a:r>
-          </a:p>
-          <a:p>
-            <a:pPr lvl="1"/>
-            <a:r>
-              <a:rPr lang="en-US" dirty="0" smtClean="0"/>
-              <a:t>Bivalent interference- only 2 of 4 chromatids have COs</a:t>
-            </a:r>
-          </a:p>
-          <a:p>
-            <a:pPr lvl="1"/>
-            <a:r>
-              <a:rPr lang="en-US" dirty="0" smtClean="0"/>
-              <a:t>Conserved / Same astral / MT tension force</a:t>
-            </a:r>
-          </a:p>
-          <a:p>
-            <a:pPr lvl="1"/>
-            <a:endParaRPr lang="en-US" dirty="0"/>
+            <a:endParaRPr lang="en-US"/>
           </a:p>
         </p:txBody>
       </p:sp>
@@ -8112,22 +8023,71 @@
         </p:nvSpPr>
         <p:spPr/>
         <p:txBody>
-          <a:bodyPr>
-            <a:normAutofit lnSpcReduction="10000"/>
+          <a:bodyPr/>
+          <a:lstStyle/>
+          <a:p>
+            <a:endParaRPr lang="en-US"/>
+          </a:p>
+        </p:txBody>
+      </p:sp>
+      <p:pic>
+        <p:nvPicPr>
+          <p:cNvPr id="5" name="Picture 4"/>
+          <p:cNvPicPr>
+            <a:picLocks noChangeAspect="1"/>
+          </p:cNvPicPr>
+          <p:nvPr/>
+        </p:nvPicPr>
+        <p:blipFill>
+          <a:blip r:embed="rId3"/>
+          <a:stretch>
+            <a:fillRect/>
+          </a:stretch>
+        </p:blipFill>
+        <p:spPr>
+          <a:xfrm>
+            <a:off x="2546917" y="676832"/>
+            <a:ext cx="6945765" cy="6181168"/>
+          </a:xfrm>
+          <a:prstGeom prst="rect">
+            <a:avLst/>
+          </a:prstGeom>
+        </p:spPr>
+      </p:pic>
+      <p:sp>
+        <p:nvSpPr>
+          <p:cNvPr id="6" name="TextBox 5"/>
+          <p:cNvSpPr txBox="1"/>
+          <p:nvPr/>
+        </p:nvSpPr>
+        <p:spPr>
+          <a:xfrm>
+            <a:off x="10527957" y="4399005"/>
+            <a:ext cx="1112108" cy="923330"/>
+          </a:xfrm>
+          <a:prstGeom prst="rect">
+            <a:avLst/>
+          </a:prstGeom>
+          <a:noFill/>
+        </p:spPr>
+        <p:txBody>
+          <a:bodyPr wrap="square" rtlCol="0">
+            <a:spAutoFit/>
           </a:bodyPr>
           <a:lstStyle/>
           <a:p>
             <a:r>
               <a:rPr lang="en-US" dirty="0" smtClean="0"/>
-              <a:t>(expected patterns)</a:t>
-            </a:r>
+              <a:t>Make relative box</a:t>
+            </a:r>
+            <a:endParaRPr lang="en-US" dirty="0"/>
           </a:p>
         </p:txBody>
       </p:sp>
     </p:spTree>
     <p:extLst>
       <p:ext uri="{BB962C8B-B14F-4D97-AF65-F5344CB8AC3E}">
-        <p14:creationId xmlns:p14="http://schemas.microsoft.com/office/powerpoint/2010/main" val="4002786404"/>
+        <p14:creationId xmlns:p14="http://schemas.microsoft.com/office/powerpoint/2010/main" val="1822342424"/>
       </p:ext>
     </p:extLst>
   </p:cSld>
@@ -8176,11 +8136,7 @@
           <a:bodyPr/>
           <a:lstStyle/>
           <a:p>
-            <a:r>
-              <a:rPr lang="en-US" dirty="0" smtClean="0"/>
-              <a:t>Results?</a:t>
-            </a:r>
-            <a:endParaRPr lang="en-US" dirty="0"/>
+            <a:endParaRPr lang="en-US"/>
           </a:p>
         </p:txBody>
       </p:sp>
@@ -8199,12 +8155,9 @@
           <a:bodyPr/>
           <a:lstStyle/>
           <a:p>
-            <a:pPr marL="0" indent="0">
-              <a:buNone/>
-            </a:pPr>
             <a:r>
               <a:rPr lang="en-US" dirty="0" smtClean="0"/>
-              <a:t>From bivalent measures: (intervals for calculating sis-</a:t>
+              <a:t>Compare sis-</a:t>
             </a:r>
             <a:r>
               <a:rPr lang="en-US" dirty="0" err="1" smtClean="0"/>
@@ -8212,30 +8165,7 @@
             </a:r>
             <a:r>
               <a:rPr lang="en-US" dirty="0" smtClean="0"/>
-              <a:t>)</a:t>
-            </a:r>
-          </a:p>
-          <a:p>
-            <a:r>
-              <a:rPr lang="en-US" dirty="0" smtClean="0"/>
-              <a:t>If bivalent is 2CO: sis-co-ten =  IFD</a:t>
-            </a:r>
-            <a:endParaRPr lang="en-US" dirty="0"/>
-          </a:p>
-          <a:p>
-            <a:r>
-              <a:rPr lang="en-US" dirty="0" smtClean="0"/>
-              <a:t>If bivalent is 1CO: sis-co-ten = foci1 </a:t>
-            </a:r>
-            <a:r>
-              <a:rPr lang="en-US" dirty="0"/>
-              <a:t>to end</a:t>
-            </a:r>
-          </a:p>
-          <a:p>
-            <a:r>
-              <a:rPr lang="en-US" dirty="0" smtClean="0"/>
-              <a:t>If 3CO: sis-co-ten = IFD1 + foci3 to end</a:t>
+              <a:t> with normalized foci positions</a:t>
             </a:r>
             <a:endParaRPr lang="en-US" dirty="0"/>
           </a:p>
@@ -8263,260 +8193,17 @@
     </p:spTree>
     <p:extLst>
       <p:ext uri="{BB962C8B-B14F-4D97-AF65-F5344CB8AC3E}">
-        <p14:creationId xmlns:p14="http://schemas.microsoft.com/office/powerpoint/2010/main" val="2895215223"/>
+        <p14:creationId xmlns:p14="http://schemas.microsoft.com/office/powerpoint/2010/main" val="1943127629"/>
       </p:ext>
     </p:extLst>
   </p:cSld>
   <p:clrMapOvr>
     <a:masterClrMapping/>
   </p:clrMapOvr>
-  <p:timing>
-    <p:tnLst>
-      <p:par>
-        <p:cTn id="1" dur="indefinite" restart="never" nodeType="tmRoot"/>
-      </p:par>
-    </p:tnLst>
-  </p:timing>
 </p:sld>
 </file>
 
 <file path=ppt/slides/slide16.xml><?xml version="1.0" encoding="utf-8"?>
-<p:sld xmlns:a="http://schemas.openxmlformats.org/drawingml/2006/main" xmlns:r="http://schemas.openxmlformats.org/officeDocument/2006/relationships" xmlns:p="http://schemas.openxmlformats.org/presentationml/2006/main">
-  <p:cSld>
-    <p:spTree>
-      <p:nvGrpSpPr>
-        <p:cNvPr id="1" name=""/>
-        <p:cNvGrpSpPr/>
-        <p:nvPr/>
-      </p:nvGrpSpPr>
-      <p:grpSpPr>
-        <a:xfrm>
-          <a:off x="0" y="0"/>
-          <a:ext cx="0" cy="0"/>
-          <a:chOff x="0" y="0"/>
-          <a:chExt cx="0" cy="0"/>
-        </a:xfrm>
-      </p:grpSpPr>
-      <p:sp>
-        <p:nvSpPr>
-          <p:cNvPr id="2" name="Title 1"/>
-          <p:cNvSpPr>
-            <a:spLocks noGrp="1"/>
-          </p:cNvSpPr>
-          <p:nvPr>
-            <p:ph type="title"/>
-          </p:nvPr>
-        </p:nvSpPr>
-        <p:spPr/>
-        <p:txBody>
-          <a:bodyPr/>
-          <a:lstStyle/>
-          <a:p>
-            <a:endParaRPr lang="en-US"/>
-          </a:p>
-        </p:txBody>
-      </p:sp>
-      <p:sp>
-        <p:nvSpPr>
-          <p:cNvPr id="3" name="Content Placeholder 2"/>
-          <p:cNvSpPr>
-            <a:spLocks noGrp="1"/>
-          </p:cNvSpPr>
-          <p:nvPr>
-            <p:ph sz="half" idx="1"/>
-          </p:nvPr>
-        </p:nvSpPr>
-        <p:spPr/>
-        <p:txBody>
-          <a:bodyPr/>
-          <a:lstStyle/>
-          <a:p>
-            <a:endParaRPr lang="en-US"/>
-          </a:p>
-        </p:txBody>
-      </p:sp>
-      <p:sp>
-        <p:nvSpPr>
-          <p:cNvPr id="4" name="Content Placeholder 3"/>
-          <p:cNvSpPr>
-            <a:spLocks noGrp="1"/>
-          </p:cNvSpPr>
-          <p:nvPr>
-            <p:ph sz="half" idx="2"/>
-          </p:nvPr>
-        </p:nvSpPr>
-        <p:spPr/>
-        <p:txBody>
-          <a:bodyPr/>
-          <a:lstStyle/>
-          <a:p>
-            <a:endParaRPr lang="en-US"/>
-          </a:p>
-        </p:txBody>
-      </p:sp>
-      <p:pic>
-        <p:nvPicPr>
-          <p:cNvPr id="5" name="Picture 4"/>
-          <p:cNvPicPr>
-            <a:picLocks noChangeAspect="1"/>
-          </p:cNvPicPr>
-          <p:nvPr/>
-        </p:nvPicPr>
-        <p:blipFill>
-          <a:blip r:embed="rId2"/>
-          <a:stretch>
-            <a:fillRect/>
-          </a:stretch>
-        </p:blipFill>
-        <p:spPr>
-          <a:xfrm>
-            <a:off x="2519931" y="0"/>
-            <a:ext cx="7706320" cy="6858000"/>
-          </a:xfrm>
-          <a:prstGeom prst="rect">
-            <a:avLst/>
-          </a:prstGeom>
-        </p:spPr>
-      </p:pic>
-    </p:spTree>
-    <p:extLst>
-      <p:ext uri="{BB962C8B-B14F-4D97-AF65-F5344CB8AC3E}">
-        <p14:creationId xmlns:p14="http://schemas.microsoft.com/office/powerpoint/2010/main" val="2340219533"/>
-      </p:ext>
-    </p:extLst>
-  </p:cSld>
-  <p:clrMapOvr>
-    <a:masterClrMapping/>
-  </p:clrMapOvr>
-  <p:timing>
-    <p:tnLst>
-      <p:par>
-        <p:cTn id="1" dur="indefinite" restart="never" nodeType="tmRoot"/>
-      </p:par>
-    </p:tnLst>
-  </p:timing>
-</p:sld>
-</file>
-
-<file path=ppt/slides/slide17.xml><?xml version="1.0" encoding="utf-8"?>
-<p:sld xmlns:a="http://schemas.openxmlformats.org/drawingml/2006/main" xmlns:r="http://schemas.openxmlformats.org/officeDocument/2006/relationships" xmlns:p="http://schemas.openxmlformats.org/presentationml/2006/main">
-  <p:cSld>
-    <p:spTree>
-      <p:nvGrpSpPr>
-        <p:cNvPr id="1" name=""/>
-        <p:cNvGrpSpPr/>
-        <p:nvPr/>
-      </p:nvGrpSpPr>
-      <p:grpSpPr>
-        <a:xfrm>
-          <a:off x="0" y="0"/>
-          <a:ext cx="0" cy="0"/>
-          <a:chOff x="0" y="0"/>
-          <a:chExt cx="0" cy="0"/>
-        </a:xfrm>
-      </p:grpSpPr>
-      <p:sp>
-        <p:nvSpPr>
-          <p:cNvPr id="2" name="Title 1"/>
-          <p:cNvSpPr>
-            <a:spLocks noGrp="1"/>
-          </p:cNvSpPr>
-          <p:nvPr>
-            <p:ph type="title"/>
-          </p:nvPr>
-        </p:nvSpPr>
-        <p:spPr/>
-        <p:txBody>
-          <a:bodyPr/>
-          <a:lstStyle/>
-          <a:p>
-            <a:endParaRPr lang="en-US"/>
-          </a:p>
-        </p:txBody>
-      </p:sp>
-      <p:sp>
-        <p:nvSpPr>
-          <p:cNvPr id="3" name="Content Placeholder 2"/>
-          <p:cNvSpPr>
-            <a:spLocks noGrp="1"/>
-          </p:cNvSpPr>
-          <p:nvPr>
-            <p:ph sz="half" idx="1"/>
-          </p:nvPr>
-        </p:nvSpPr>
-        <p:spPr/>
-        <p:txBody>
-          <a:bodyPr/>
-          <a:lstStyle/>
-          <a:p>
-            <a:endParaRPr lang="en-US"/>
-          </a:p>
-        </p:txBody>
-      </p:sp>
-      <p:sp>
-        <p:nvSpPr>
-          <p:cNvPr id="4" name="Content Placeholder 3"/>
-          <p:cNvSpPr>
-            <a:spLocks noGrp="1"/>
-          </p:cNvSpPr>
-          <p:nvPr>
-            <p:ph sz="half" idx="2"/>
-          </p:nvPr>
-        </p:nvSpPr>
-        <p:spPr/>
-        <p:txBody>
-          <a:bodyPr/>
-          <a:lstStyle/>
-          <a:p>
-            <a:endParaRPr lang="en-US"/>
-          </a:p>
-        </p:txBody>
-      </p:sp>
-      <p:pic>
-        <p:nvPicPr>
-          <p:cNvPr id="5" name="Picture 4"/>
-          <p:cNvPicPr>
-            <a:picLocks noChangeAspect="1"/>
-          </p:cNvPicPr>
-          <p:nvPr/>
-        </p:nvPicPr>
-        <p:blipFill>
-          <a:blip r:embed="rId3"/>
-          <a:stretch>
-            <a:fillRect/>
-          </a:stretch>
-        </p:blipFill>
-        <p:spPr>
-          <a:xfrm>
-            <a:off x="2546917" y="676832"/>
-            <a:ext cx="6945765" cy="6181168"/>
-          </a:xfrm>
-          <a:prstGeom prst="rect">
-            <a:avLst/>
-          </a:prstGeom>
-        </p:spPr>
-      </p:pic>
-    </p:spTree>
-    <p:extLst>
-      <p:ext uri="{BB962C8B-B14F-4D97-AF65-F5344CB8AC3E}">
-        <p14:creationId xmlns:p14="http://schemas.microsoft.com/office/powerpoint/2010/main" val="1822342424"/>
-      </p:ext>
-    </p:extLst>
-  </p:cSld>
-  <p:clrMapOvr>
-    <a:masterClrMapping/>
-  </p:clrMapOvr>
-  <p:timing>
-    <p:tnLst>
-      <p:par>
-        <p:cTn id="1" dur="indefinite" restart="never" nodeType="tmRoot"/>
-      </p:par>
-    </p:tnLst>
-  </p:timing>
-</p:sld>
-</file>
-
-<file path=ppt/slides/slide18.xml><?xml version="1.0" encoding="utf-8"?>
 <p:sld xmlns:a="http://schemas.openxmlformats.org/drawingml/2006/main" xmlns:r="http://schemas.openxmlformats.org/officeDocument/2006/relationships" xmlns:p="http://schemas.openxmlformats.org/presentationml/2006/main">
   <p:cSld>
     <p:spTree>
@@ -8658,6 +8345,211 @@
 </p:sld>
 </file>
 
+<file path=ppt/slides/slide17.xml><?xml version="1.0" encoding="utf-8"?>
+<p:sld xmlns:a="http://schemas.openxmlformats.org/drawingml/2006/main" xmlns:r="http://schemas.openxmlformats.org/officeDocument/2006/relationships" xmlns:p="http://schemas.openxmlformats.org/presentationml/2006/main">
+  <p:cSld>
+    <p:spTree>
+      <p:nvGrpSpPr>
+        <p:cNvPr id="1" name=""/>
+        <p:cNvGrpSpPr/>
+        <p:nvPr/>
+      </p:nvGrpSpPr>
+      <p:grpSpPr>
+        <a:xfrm>
+          <a:off x="0" y="0"/>
+          <a:ext cx="0" cy="0"/>
+          <a:chOff x="0" y="0"/>
+          <a:chExt cx="0" cy="0"/>
+        </a:xfrm>
+      </p:grpSpPr>
+      <p:sp>
+        <p:nvSpPr>
+          <p:cNvPr id="2" name="Title 1"/>
+          <p:cNvSpPr>
+            <a:spLocks noGrp="1"/>
+          </p:cNvSpPr>
+          <p:nvPr>
+            <p:ph type="title"/>
+          </p:nvPr>
+        </p:nvSpPr>
+        <p:spPr/>
+        <p:txBody>
+          <a:bodyPr/>
+          <a:lstStyle/>
+          <a:p>
+            <a:endParaRPr lang="en-US"/>
+          </a:p>
+        </p:txBody>
+      </p:sp>
+      <p:sp>
+        <p:nvSpPr>
+          <p:cNvPr id="3" name="Content Placeholder 2"/>
+          <p:cNvSpPr>
+            <a:spLocks noGrp="1"/>
+          </p:cNvSpPr>
+          <p:nvPr>
+            <p:ph sz="half" idx="1"/>
+          </p:nvPr>
+        </p:nvSpPr>
+        <p:spPr/>
+        <p:txBody>
+          <a:bodyPr/>
+          <a:lstStyle/>
+          <a:p>
+            <a:endParaRPr lang="en-US"/>
+          </a:p>
+        </p:txBody>
+      </p:sp>
+      <p:sp>
+        <p:nvSpPr>
+          <p:cNvPr id="4" name="Content Placeholder 3"/>
+          <p:cNvSpPr>
+            <a:spLocks noGrp="1"/>
+          </p:cNvSpPr>
+          <p:nvPr>
+            <p:ph sz="half" idx="2"/>
+          </p:nvPr>
+        </p:nvSpPr>
+        <p:spPr/>
+        <p:txBody>
+          <a:bodyPr/>
+          <a:lstStyle/>
+          <a:p>
+            <a:endParaRPr lang="en-US"/>
+          </a:p>
+        </p:txBody>
+      </p:sp>
+    </p:spTree>
+    <p:extLst>
+      <p:ext uri="{BB962C8B-B14F-4D97-AF65-F5344CB8AC3E}">
+        <p14:creationId xmlns:p14="http://schemas.microsoft.com/office/powerpoint/2010/main" val="890201834"/>
+      </p:ext>
+    </p:extLst>
+  </p:cSld>
+  <p:clrMapOvr>
+    <a:masterClrMapping/>
+  </p:clrMapOvr>
+</p:sld>
+</file>
+
+<file path=ppt/slides/slide18.xml><?xml version="1.0" encoding="utf-8"?>
+<p:sld xmlns:a="http://schemas.openxmlformats.org/drawingml/2006/main" xmlns:r="http://schemas.openxmlformats.org/officeDocument/2006/relationships" xmlns:p="http://schemas.openxmlformats.org/presentationml/2006/main">
+  <p:cSld>
+    <p:spTree>
+      <p:nvGrpSpPr>
+        <p:cNvPr id="1" name=""/>
+        <p:cNvGrpSpPr/>
+        <p:nvPr/>
+      </p:nvGrpSpPr>
+      <p:grpSpPr>
+        <a:xfrm>
+          <a:off x="0" y="0"/>
+          <a:ext cx="0" cy="0"/>
+          <a:chOff x="0" y="0"/>
+          <a:chExt cx="0" cy="0"/>
+        </a:xfrm>
+      </p:grpSpPr>
+      <p:sp>
+        <p:nvSpPr>
+          <p:cNvPr id="2" name="Title 1"/>
+          <p:cNvSpPr>
+            <a:spLocks noGrp="1"/>
+          </p:cNvSpPr>
+          <p:nvPr>
+            <p:ph type="title"/>
+          </p:nvPr>
+        </p:nvSpPr>
+        <p:spPr/>
+        <p:txBody>
+          <a:bodyPr/>
+          <a:lstStyle/>
+          <a:p>
+            <a:endParaRPr lang="en-US"/>
+          </a:p>
+        </p:txBody>
+      </p:sp>
+      <p:sp>
+        <p:nvSpPr>
+          <p:cNvPr id="3" name="Content Placeholder 2"/>
+          <p:cNvSpPr>
+            <a:spLocks noGrp="1"/>
+          </p:cNvSpPr>
+          <p:nvPr>
+            <p:ph sz="half" idx="1"/>
+          </p:nvPr>
+        </p:nvSpPr>
+        <p:spPr/>
+        <p:txBody>
+          <a:bodyPr/>
+          <a:lstStyle/>
+          <a:p>
+            <a:endParaRPr lang="en-US"/>
+          </a:p>
+        </p:txBody>
+      </p:sp>
+      <p:sp>
+        <p:nvSpPr>
+          <p:cNvPr id="4" name="Content Placeholder 3"/>
+          <p:cNvSpPr>
+            <a:spLocks noGrp="1"/>
+          </p:cNvSpPr>
+          <p:nvPr>
+            <p:ph sz="half" idx="2"/>
+          </p:nvPr>
+        </p:nvSpPr>
+        <p:spPr/>
+        <p:txBody>
+          <a:bodyPr/>
+          <a:lstStyle/>
+          <a:p>
+            <a:endParaRPr lang="en-US"/>
+          </a:p>
+        </p:txBody>
+      </p:sp>
+      <p:pic>
+        <p:nvPicPr>
+          <p:cNvPr id="5" name="Picture 4"/>
+          <p:cNvPicPr>
+            <a:picLocks noChangeAspect="1"/>
+          </p:cNvPicPr>
+          <p:nvPr/>
+        </p:nvPicPr>
+        <p:blipFill>
+          <a:blip r:embed="rId2"/>
+          <a:stretch>
+            <a:fillRect/>
+          </a:stretch>
+        </p:blipFill>
+        <p:spPr>
+          <a:xfrm>
+            <a:off x="2519931" y="0"/>
+            <a:ext cx="7706320" cy="6858000"/>
+          </a:xfrm>
+          <a:prstGeom prst="rect">
+            <a:avLst/>
+          </a:prstGeom>
+        </p:spPr>
+      </p:pic>
+    </p:spTree>
+    <p:extLst>
+      <p:ext uri="{BB962C8B-B14F-4D97-AF65-F5344CB8AC3E}">
+        <p14:creationId xmlns:p14="http://schemas.microsoft.com/office/powerpoint/2010/main" val="2340219533"/>
+      </p:ext>
+    </p:extLst>
+  </p:cSld>
+  <p:clrMapOvr>
+    <a:masterClrMapping/>
+  </p:clrMapOvr>
+  <p:timing>
+    <p:tnLst>
+      <p:par>
+        <p:cTn id="1" dur="indefinite" restart="never" nodeType="tmRoot"/>
+      </p:par>
+    </p:tnLst>
+  </p:timing>
+</p:sld>
+</file>
+
 <file path=ppt/slides/slide19.xml><?xml version="1.0" encoding="utf-8"?>
 <p:sld xmlns:a="http://schemas.openxmlformats.org/drawingml/2006/main" xmlns:r="http://schemas.openxmlformats.org/officeDocument/2006/relationships" xmlns:p="http://schemas.openxmlformats.org/presentationml/2006/main">
   <p:cSld>
@@ -8675,66 +8567,9 @@
           <a:chExt cx="0" cy="0"/>
         </a:xfrm>
       </p:grpSpPr>
-      <p:sp>
-        <p:nvSpPr>
-          <p:cNvPr id="2" name="Title 1"/>
-          <p:cNvSpPr>
-            <a:spLocks noGrp="1"/>
-          </p:cNvSpPr>
-          <p:nvPr>
-            <p:ph type="title"/>
-          </p:nvPr>
-        </p:nvSpPr>
-        <p:spPr/>
-        <p:txBody>
-          <a:bodyPr/>
-          <a:lstStyle/>
-          <a:p>
-            <a:endParaRPr lang="en-US"/>
-          </a:p>
-        </p:txBody>
-      </p:sp>
-      <p:sp>
-        <p:nvSpPr>
-          <p:cNvPr id="3" name="Content Placeholder 2"/>
-          <p:cNvSpPr>
-            <a:spLocks noGrp="1"/>
-          </p:cNvSpPr>
-          <p:nvPr>
-            <p:ph sz="half" idx="1"/>
-          </p:nvPr>
-        </p:nvSpPr>
-        <p:spPr/>
-        <p:txBody>
-          <a:bodyPr/>
-          <a:lstStyle/>
-          <a:p>
-            <a:endParaRPr lang="en-US"/>
-          </a:p>
-        </p:txBody>
-      </p:sp>
-      <p:sp>
-        <p:nvSpPr>
-          <p:cNvPr id="4" name="Content Placeholder 3"/>
-          <p:cNvSpPr>
-            <a:spLocks noGrp="1"/>
-          </p:cNvSpPr>
-          <p:nvPr>
-            <p:ph sz="half" idx="2"/>
-          </p:nvPr>
-        </p:nvSpPr>
-        <p:spPr/>
-        <p:txBody>
-          <a:bodyPr/>
-          <a:lstStyle/>
-          <a:p>
-            <a:endParaRPr lang="en-US"/>
-          </a:p>
-        </p:txBody>
-      </p:sp>
       <p:pic>
         <p:nvPicPr>
-          <p:cNvPr id="5" name="Picture 4"/>
+          <p:cNvPr id="2" name="Picture 1"/>
           <p:cNvPicPr>
             <a:picLocks noChangeAspect="1"/>
           </p:cNvPicPr>
@@ -8748,32 +8583,8 @@
         </p:blipFill>
         <p:spPr>
           <a:xfrm>
-            <a:off x="5572201" y="773723"/>
-            <a:ext cx="6381597" cy="5685692"/>
-          </a:xfrm>
-          <a:prstGeom prst="rect">
-            <a:avLst/>
-          </a:prstGeom>
-        </p:spPr>
-      </p:pic>
-      <p:pic>
-        <p:nvPicPr>
-          <p:cNvPr id="6" name="Picture 5"/>
-          <p:cNvPicPr>
-            <a:picLocks noChangeAspect="1"/>
-          </p:cNvPicPr>
-          <p:nvPr/>
-        </p:nvPicPr>
-        <p:blipFill>
-          <a:blip r:embed="rId3"/>
-          <a:stretch>
-            <a:fillRect/>
-          </a:stretch>
-        </p:blipFill>
-        <p:spPr>
-          <a:xfrm>
-            <a:off x="-1252033" y="773723"/>
-            <a:ext cx="6552650" cy="5838092"/>
+            <a:off x="414483" y="1739543"/>
+            <a:ext cx="5529470" cy="4327139"/>
           </a:xfrm>
           <a:prstGeom prst="rect">
             <a:avLst/>
@@ -8783,7 +8594,7 @@
     </p:spTree>
     <p:extLst>
       <p:ext uri="{BB962C8B-B14F-4D97-AF65-F5344CB8AC3E}">
-        <p14:creationId xmlns:p14="http://schemas.microsoft.com/office/powerpoint/2010/main" val="3744195753"/>
+        <p14:creationId xmlns:p14="http://schemas.microsoft.com/office/powerpoint/2010/main" val="1813281004"/>
       </p:ext>
     </p:extLst>
   </p:cSld>
@@ -9254,34 +9065,96 @@
           <a:chExt cx="0" cy="0"/>
         </a:xfrm>
       </p:grpSpPr>
+      <p:sp>
+        <p:nvSpPr>
+          <p:cNvPr id="2" name="Title 1"/>
+          <p:cNvSpPr>
+            <a:spLocks noGrp="1"/>
+          </p:cNvSpPr>
+          <p:nvPr>
+            <p:ph type="title"/>
+          </p:nvPr>
+        </p:nvSpPr>
+        <p:spPr/>
+        <p:txBody>
+          <a:bodyPr/>
+          <a:lstStyle/>
+          <a:p>
+            <a:endParaRPr lang="en-US"/>
+          </a:p>
+        </p:txBody>
+      </p:sp>
+      <p:sp>
+        <p:nvSpPr>
+          <p:cNvPr id="7" name="Content Placeholder 6"/>
+          <p:cNvSpPr>
+            <a:spLocks noGrp="1"/>
+          </p:cNvSpPr>
+          <p:nvPr>
+            <p:ph sz="half" idx="1"/>
+          </p:nvPr>
+        </p:nvSpPr>
+        <p:spPr/>
+        <p:txBody>
+          <a:bodyPr/>
+          <a:lstStyle/>
+          <a:p>
+            <a:endParaRPr lang="en-US"/>
+          </a:p>
+        </p:txBody>
+      </p:sp>
       <p:pic>
         <p:nvPicPr>
-          <p:cNvPr id="2" name="Picture 1"/>
+          <p:cNvPr id="8" name="Content Placeholder 4"/>
           <p:cNvPicPr>
             <a:picLocks noChangeAspect="1"/>
           </p:cNvPicPr>
           <p:nvPr/>
         </p:nvPicPr>
-        <p:blipFill>
-          <a:blip r:embed="rId2"/>
-          <a:stretch>
-            <a:fillRect/>
-          </a:stretch>
+        <p:blipFill rotWithShape="1">
+          <a:blip r:embed="rId3" cstate="print">
+            <a:extLst>
+              <a:ext uri="{28A0092B-C50C-407E-A947-70E740481C1C}">
+                <a14:useLocalDpi xmlns:a14="http://schemas.microsoft.com/office/drawing/2010/main" val="0"/>
+              </a:ext>
+            </a:extLst>
+          </a:blip>
+          <a:srcRect l="8442" t="22973" r="13248" b="20719"/>
+          <a:stretch/>
         </p:blipFill>
         <p:spPr>
           <a:xfrm>
-            <a:off x="414483" y="1739543"/>
-            <a:ext cx="5529470" cy="4327139"/>
+            <a:off x="838200" y="1849911"/>
+            <a:ext cx="4513385" cy="4327052"/>
           </a:xfrm>
           <a:prstGeom prst="rect">
             <a:avLst/>
           </a:prstGeom>
         </p:spPr>
       </p:pic>
+      <p:sp>
+        <p:nvSpPr>
+          <p:cNvPr id="9" name="Content Placeholder 8"/>
+          <p:cNvSpPr>
+            <a:spLocks noGrp="1"/>
+          </p:cNvSpPr>
+          <p:nvPr>
+            <p:ph sz="half" idx="2"/>
+          </p:nvPr>
+        </p:nvSpPr>
+        <p:spPr/>
+        <p:txBody>
+          <a:bodyPr/>
+          <a:lstStyle/>
+          <a:p>
+            <a:endParaRPr lang="en-US"/>
+          </a:p>
+        </p:txBody>
+      </p:sp>
     </p:spTree>
     <p:extLst>
       <p:ext uri="{BB962C8B-B14F-4D97-AF65-F5344CB8AC3E}">
-        <p14:creationId xmlns:p14="http://schemas.microsoft.com/office/powerpoint/2010/main" val="1813281004"/>
+        <p14:creationId xmlns:p14="http://schemas.microsoft.com/office/powerpoint/2010/main" val="3701833364"/>
       </p:ext>
     </p:extLst>
   </p:cSld>
@@ -9330,36 +9203,23 @@
           <a:bodyPr/>
           <a:lstStyle/>
           <a:p>
-            <a:endParaRPr lang="en-US"/>
-          </a:p>
-        </p:txBody>
-      </p:sp>
-      <p:sp>
-        <p:nvSpPr>
-          <p:cNvPr id="7" name="Content Placeholder 6"/>
-          <p:cNvSpPr>
-            <a:spLocks noGrp="1"/>
-          </p:cNvSpPr>
-          <p:nvPr>
-            <p:ph sz="half" idx="1"/>
-          </p:nvPr>
-        </p:nvSpPr>
-        <p:spPr/>
-        <p:txBody>
-          <a:bodyPr/>
-          <a:lstStyle/>
-          <a:p>
-            <a:endParaRPr lang="en-US"/>
+            <a:r>
+              <a:rPr lang="en-US" dirty="0" smtClean="0"/>
+              <a:t>Sister cohesion tension</a:t>
+            </a:r>
+            <a:endParaRPr lang="en-US" dirty="0"/>
           </a:p>
         </p:txBody>
       </p:sp>
       <p:pic>
         <p:nvPicPr>
-          <p:cNvPr id="8" name="Content Placeholder 4"/>
+          <p:cNvPr id="5" name="Content Placeholder 4"/>
           <p:cNvPicPr>
-            <a:picLocks noChangeAspect="1"/>
+            <a:picLocks noGrp="1" noChangeAspect="1"/>
           </p:cNvPicPr>
-          <p:nvPr/>
+          <p:nvPr>
+            <p:ph sz="half" idx="1"/>
+          </p:nvPr>
         </p:nvPicPr>
         <p:blipFill rotWithShape="1">
           <a:blip r:embed="rId3" cstate="print">
@@ -9374,37 +9234,44 @@
         </p:blipFill>
         <p:spPr>
           <a:xfrm>
-            <a:off x="838200" y="1849911"/>
+            <a:off x="2965175" y="1836710"/>
             <a:ext cx="4513385" cy="4327052"/>
+          </a:xfrm>
+        </p:spPr>
+      </p:pic>
+      <p:pic>
+        <p:nvPicPr>
+          <p:cNvPr id="6" name="Picture 5"/>
+          <p:cNvPicPr>
+            <a:picLocks noChangeAspect="1"/>
+          </p:cNvPicPr>
+          <p:nvPr/>
+        </p:nvPicPr>
+        <p:blipFill rotWithShape="1">
+          <a:blip r:embed="rId4">
+            <a:extLst>
+              <a:ext uri="{28A0092B-C50C-407E-A947-70E740481C1C}">
+                <a14:useLocalDpi xmlns:a14="http://schemas.microsoft.com/office/drawing/2010/main" val="0"/>
+              </a:ext>
+            </a:extLst>
+          </a:blip>
+          <a:srcRect l="13760" t="8242" r="64394" b="10879"/>
+          <a:stretch/>
+        </p:blipFill>
+        <p:spPr>
+          <a:xfrm>
+            <a:off x="838200" y="2179806"/>
+            <a:ext cx="1311621" cy="3640859"/>
           </a:xfrm>
           <a:prstGeom prst="rect">
             <a:avLst/>
           </a:prstGeom>
         </p:spPr>
       </p:pic>
-      <p:sp>
-        <p:nvSpPr>
-          <p:cNvPr id="9" name="Content Placeholder 8"/>
-          <p:cNvSpPr>
-            <a:spLocks noGrp="1"/>
-          </p:cNvSpPr>
-          <p:nvPr>
-            <p:ph sz="half" idx="2"/>
-          </p:nvPr>
-        </p:nvSpPr>
-        <p:spPr/>
-        <p:txBody>
-          <a:bodyPr/>
-          <a:lstStyle/>
-          <a:p>
-            <a:endParaRPr lang="en-US"/>
-          </a:p>
-        </p:txBody>
-      </p:sp>
     </p:spTree>
     <p:extLst>
       <p:ext uri="{BB962C8B-B14F-4D97-AF65-F5344CB8AC3E}">
-        <p14:creationId xmlns:p14="http://schemas.microsoft.com/office/powerpoint/2010/main" val="3701833364"/>
+        <p14:creationId xmlns:p14="http://schemas.microsoft.com/office/powerpoint/2010/main" val="117800678"/>
       </p:ext>
     </p:extLst>
   </p:cSld>
@@ -15420,7 +15287,6 @@
               <a:rPr lang="en-US" sz="1400" dirty="0"/>
               <a:t> 15.8 (2019): e1008337.</a:t>
             </a:r>
-            <a:endParaRPr lang="en-US" sz="1400" dirty="0"/>
           </a:p>
         </p:txBody>
       </p:sp>
@@ -15594,11 +15460,7 @@
           <a:bodyPr/>
           <a:lstStyle/>
           <a:p>
-            <a:r>
-              <a:rPr lang="en-US" dirty="0" smtClean="0"/>
-              <a:t>Part II / trying to fit everything together…</a:t>
-            </a:r>
-            <a:endParaRPr lang="en-US" dirty="0"/>
+            <a:endParaRPr lang="en-US"/>
           </a:p>
         </p:txBody>
       </p:sp>
@@ -15609,26 +15471,7 @@
             <a:spLocks noGrp="1"/>
           </p:cNvSpPr>
           <p:nvPr>
-            <p:ph sz="half" idx="1"/>
-          </p:nvPr>
-        </p:nvSpPr>
-        <p:spPr/>
-        <p:txBody>
-          <a:bodyPr/>
-          <a:lstStyle/>
-          <a:p>
-            <a:endParaRPr lang="en-US"/>
-          </a:p>
-        </p:txBody>
-      </p:sp>
-      <p:sp>
-        <p:nvSpPr>
-          <p:cNvPr id="4" name="Content Placeholder 3"/>
-          <p:cNvSpPr>
-            <a:spLocks noGrp="1"/>
-          </p:cNvSpPr>
-          <p:nvPr>
-            <p:ph sz="half" idx="2"/>
+            <p:ph idx="1"/>
           </p:nvPr>
         </p:nvSpPr>
         <p:spPr/>
@@ -15643,20 +15486,13 @@
     </p:spTree>
     <p:extLst>
       <p:ext uri="{BB962C8B-B14F-4D97-AF65-F5344CB8AC3E}">
-        <p14:creationId xmlns:p14="http://schemas.microsoft.com/office/powerpoint/2010/main" val="2784136404"/>
+        <p14:creationId xmlns:p14="http://schemas.microsoft.com/office/powerpoint/2010/main" val="4236316048"/>
       </p:ext>
     </p:extLst>
   </p:cSld>
   <p:clrMapOvr>
     <a:masterClrMapping/>
   </p:clrMapOvr>
-  <p:timing>
-    <p:tnLst>
-      <p:par>
-        <p:cTn id="1" dur="indefinite" restart="never" nodeType="tmRoot"/>
-      </p:par>
-    </p:tnLst>
-  </p:timing>
 </p:sld>
 </file>
 
@@ -15677,6 +15513,35 @@
           <a:chExt cx="0" cy="0"/>
         </a:xfrm>
       </p:grpSpPr>
+      <p:pic>
+        <p:nvPicPr>
+          <p:cNvPr id="6" name="Content Placeholder 5"/>
+          <p:cNvPicPr>
+            <a:picLocks noGrp="1" noChangeAspect="1"/>
+          </p:cNvPicPr>
+          <p:nvPr>
+            <p:ph sz="half" idx="1"/>
+          </p:nvPr>
+        </p:nvPicPr>
+        <p:blipFill>
+          <a:blip r:embed="rId3">
+            <a:extLst>
+              <a:ext uri="{28A0092B-C50C-407E-A947-70E740481C1C}">
+                <a14:useLocalDpi xmlns:a14="http://schemas.microsoft.com/office/drawing/2010/main" val="0"/>
+              </a:ext>
+            </a:extLst>
+          </a:blip>
+          <a:stretch>
+            <a:fillRect/>
+          </a:stretch>
+        </p:blipFill>
+        <p:spPr>
+          <a:xfrm>
+            <a:off x="2597150" y="2083839"/>
+            <a:ext cx="6387193" cy="4126127"/>
+          </a:xfrm>
+        </p:spPr>
+      </p:pic>
       <p:sp>
         <p:nvSpPr>
           <p:cNvPr id="2" name="Title 1"/>
@@ -15694,170 +15559,45 @@
           <a:p>
             <a:r>
               <a:rPr lang="en-US" dirty="0" smtClean="0"/>
-              <a:t>Fitting everything together in constraint context…</a:t>
+              <a:t>Sis-co-ten modulated by CO number and position</a:t>
             </a:r>
             <a:endParaRPr lang="en-US" dirty="0"/>
           </a:p>
         </p:txBody>
       </p:sp>
-      <p:sp>
-        <p:nvSpPr>
-          <p:cNvPr id="3" name="Content Placeholder 2"/>
-          <p:cNvSpPr>
-            <a:spLocks noGrp="1"/>
-          </p:cNvSpPr>
-          <p:nvPr>
-            <p:ph sz="half" idx="1"/>
-          </p:nvPr>
-        </p:nvSpPr>
-        <p:spPr/>
-        <p:txBody>
-          <a:bodyPr>
-            <a:normAutofit/>
-          </a:bodyPr>
-          <a:lstStyle/>
-          <a:p>
-            <a:pPr marL="0" indent="0">
-              <a:buNone/>
-            </a:pPr>
-            <a:r>
-              <a:rPr lang="en-US" dirty="0" smtClean="0"/>
-              <a:t>Higher RR (</a:t>
-            </a:r>
-            <a:r>
-              <a:rPr lang="en-US" dirty="0" err="1" smtClean="0"/>
-              <a:t>musc</a:t>
-            </a:r>
-            <a:r>
-              <a:rPr lang="en-US" dirty="0" smtClean="0"/>
-              <a:t> males)</a:t>
-            </a:r>
-          </a:p>
-          <a:p>
-            <a:pPr marL="0" indent="0">
-              <a:buNone/>
-            </a:pPr>
-            <a:r>
-              <a:rPr lang="en-US" dirty="0" smtClean="0"/>
-              <a:t>-more 2CO</a:t>
-            </a:r>
-          </a:p>
-          <a:p>
-            <a:pPr marL="0" indent="0">
-              <a:buNone/>
-            </a:pPr>
-            <a:r>
-              <a:rPr lang="en-US" dirty="0" smtClean="0"/>
-              <a:t>-longer SC (</a:t>
-            </a:r>
-            <a:r>
-              <a:rPr lang="en-US" dirty="0" err="1" smtClean="0"/>
-              <a:t>biv</a:t>
-            </a:r>
-            <a:r>
-              <a:rPr lang="en-US" dirty="0" smtClean="0"/>
-              <a:t> and total)</a:t>
-            </a:r>
-          </a:p>
-          <a:p>
-            <a:pPr marL="0" indent="0">
-              <a:buNone/>
-            </a:pPr>
-            <a:endParaRPr lang="en-US" dirty="0"/>
-          </a:p>
-          <a:p>
-            <a:pPr marL="0" indent="0">
-              <a:buNone/>
-            </a:pPr>
-            <a:r>
-              <a:rPr lang="en-US" dirty="0" smtClean="0"/>
-              <a:t>*weaker </a:t>
-            </a:r>
-            <a:r>
-              <a:rPr lang="en-US" dirty="0" err="1" smtClean="0"/>
-              <a:t>Interferenece</a:t>
-            </a:r>
-            <a:r>
-              <a:rPr lang="en-US" dirty="0" smtClean="0"/>
-              <a:t>*</a:t>
-            </a:r>
-          </a:p>
-          <a:p>
-            <a:pPr marL="0" indent="0">
-              <a:buNone/>
-            </a:pPr>
-            <a:r>
-              <a:rPr lang="en-US" dirty="0"/>
-              <a:t>	</a:t>
-            </a:r>
-            <a:r>
-              <a:rPr lang="en-US" dirty="0" smtClean="0"/>
-              <a:t>-- reflects constraint on sister </a:t>
-            </a:r>
-            <a:r>
-              <a:rPr lang="en-US" dirty="0" err="1" smtClean="0"/>
-              <a:t>cohesin</a:t>
-            </a:r>
-            <a:r>
-              <a:rPr lang="en-US" dirty="0" smtClean="0"/>
-              <a:t> tension</a:t>
-            </a:r>
-          </a:p>
-        </p:txBody>
-      </p:sp>
-      <p:sp>
-        <p:nvSpPr>
-          <p:cNvPr id="4" name="Content Placeholder 3"/>
-          <p:cNvSpPr>
-            <a:spLocks noGrp="1"/>
-          </p:cNvSpPr>
-          <p:nvPr>
-            <p:ph sz="half" idx="2"/>
-          </p:nvPr>
-        </p:nvSpPr>
-        <p:spPr/>
-        <p:txBody>
-          <a:bodyPr>
-            <a:normAutofit/>
-          </a:bodyPr>
-          <a:lstStyle/>
-          <a:p>
-            <a:r>
-              <a:rPr lang="en-US" dirty="0" smtClean="0"/>
-              <a:t>sister </a:t>
-            </a:r>
-            <a:r>
-              <a:rPr lang="en-US" dirty="0" err="1" smtClean="0"/>
-              <a:t>cohesin</a:t>
-            </a:r>
-            <a:endParaRPr lang="en-US" dirty="0"/>
-          </a:p>
-          <a:p>
-            <a:endParaRPr lang="en-US" dirty="0" smtClean="0"/>
-          </a:p>
-          <a:p>
-            <a:r>
-              <a:rPr lang="en-US" dirty="0" smtClean="0"/>
-              <a:t>Centromere suppression?</a:t>
-            </a:r>
-          </a:p>
-          <a:p>
-            <a:pPr lvl="1"/>
-            <a:r>
-              <a:rPr lang="en-US" dirty="0" smtClean="0"/>
-              <a:t>Map / show centromere</a:t>
-            </a:r>
-          </a:p>
-          <a:p>
-            <a:pPr lvl="1"/>
-            <a:endParaRPr lang="en-US" dirty="0"/>
-          </a:p>
-        </p:txBody>
-      </p:sp>
+      <p:pic>
+        <p:nvPicPr>
+          <p:cNvPr id="5" name="Content Placeholder 4"/>
+          <p:cNvPicPr>
+            <a:picLocks noChangeAspect="1"/>
+          </p:cNvPicPr>
+          <p:nvPr/>
+        </p:nvPicPr>
+        <p:blipFill rotWithShape="1">
+          <a:blip r:embed="rId4" cstate="print">
+            <a:extLst>
+              <a:ext uri="{28A0092B-C50C-407E-A947-70E740481C1C}">
+                <a14:useLocalDpi xmlns:a14="http://schemas.microsoft.com/office/drawing/2010/main" val="0"/>
+              </a:ext>
+            </a:extLst>
+          </a:blip>
+          <a:srcRect l="8442" t="22973" r="13248" b="59522"/>
+          <a:stretch/>
+        </p:blipFill>
+        <p:spPr>
+          <a:xfrm>
+            <a:off x="2597150" y="2935872"/>
+            <a:ext cx="6706913" cy="1998983"/>
+          </a:xfrm>
+          <a:prstGeom prst="rect">
+            <a:avLst/>
+          </a:prstGeom>
+        </p:spPr>
+      </p:pic>
     </p:spTree>
     <p:extLst>
       <p:ext uri="{BB962C8B-B14F-4D97-AF65-F5344CB8AC3E}">
-        <p14:creationId xmlns:p14="http://schemas.microsoft.com/office/powerpoint/2010/main" val="600502138"/>
+        <p14:creationId xmlns:p14="http://schemas.microsoft.com/office/powerpoint/2010/main" val="2330726757"/>
       </p:ext>
     </p:extLst>
   </p:cSld>
@@ -15867,7 +15607,75 @@
   <p:timing>
     <p:tnLst>
       <p:par>
-        <p:cTn id="1" dur="indefinite" restart="never" nodeType="tmRoot"/>
+        <p:cTn id="1" dur="indefinite" restart="never" nodeType="tmRoot">
+          <p:childTnLst>
+            <p:seq concurrent="1" nextAc="seek">
+              <p:cTn id="2" dur="indefinite" nodeType="mainSeq">
+                <p:childTnLst>
+                  <p:par>
+                    <p:cTn id="3" fill="hold">
+                      <p:stCondLst>
+                        <p:cond delay="indefinite"/>
+                      </p:stCondLst>
+                      <p:childTnLst>
+                        <p:par>
+                          <p:cTn id="4" fill="hold">
+                            <p:stCondLst>
+                              <p:cond delay="0"/>
+                            </p:stCondLst>
+                            <p:childTnLst>
+                              <p:par>
+                                <p:cTn id="5" presetID="1" presetClass="entr" presetSubtype="0" fill="hold" nodeType="clickEffect">
+                                  <p:stCondLst>
+                                    <p:cond delay="0"/>
+                                  </p:stCondLst>
+                                  <p:childTnLst>
+                                    <p:set>
+                                      <p:cBhvr>
+                                        <p:cTn id="6" dur="1" fill="hold">
+                                          <p:stCondLst>
+                                            <p:cond delay="0"/>
+                                          </p:stCondLst>
+                                        </p:cTn>
+                                        <p:tgtEl>
+                                          <p:spTgt spid="5"/>
+                                        </p:tgtEl>
+                                        <p:attrNameLst>
+                                          <p:attrName>style.visibility</p:attrName>
+                                        </p:attrNameLst>
+                                      </p:cBhvr>
+                                      <p:to>
+                                        <p:strVal val="visible"/>
+                                      </p:to>
+                                    </p:set>
+                                  </p:childTnLst>
+                                </p:cTn>
+                              </p:par>
+                            </p:childTnLst>
+                          </p:cTn>
+                        </p:par>
+                      </p:childTnLst>
+                    </p:cTn>
+                  </p:par>
+                </p:childTnLst>
+              </p:cTn>
+              <p:prevCondLst>
+                <p:cond evt="onPrev" delay="0">
+                  <p:tgtEl>
+                    <p:sldTgt/>
+                  </p:tgtEl>
+                </p:cond>
+              </p:prevCondLst>
+              <p:nextCondLst>
+                <p:cond evt="onNext" delay="0">
+                  <p:tgtEl>
+                    <p:sldTgt/>
+                  </p:tgtEl>
+                </p:cond>
+              </p:nextCondLst>
+            </p:seq>
+          </p:childTnLst>
+        </p:cTn>
       </p:par>
     </p:tnLst>
   </p:timing>

--- a/AP_lab_meeting_9.11.19.pptx
+++ b/AP_lab_meeting_9.11.19.pptx
@@ -5,7 +5,7 @@
     <p:sldMasterId id="2147483648" r:id="rId1"/>
   </p:sldMasterIdLst>
   <p:notesMasterIdLst>
-    <p:notesMasterId r:id="rId25"/>
+    <p:notesMasterId r:id="rId26"/>
   </p:notesMasterIdLst>
   <p:sldIdLst>
     <p:sldId id="268" r:id="rId2"/>
@@ -20,17 +20,18 @@
     <p:sldId id="277" r:id="rId11"/>
     <p:sldId id="280" r:id="rId12"/>
     <p:sldId id="282" r:id="rId13"/>
-    <p:sldId id="281" r:id="rId14"/>
-    <p:sldId id="290" r:id="rId15"/>
-    <p:sldId id="293" r:id="rId16"/>
-    <p:sldId id="283" r:id="rId17"/>
+    <p:sldId id="290" r:id="rId14"/>
+    <p:sldId id="295" r:id="rId15"/>
+    <p:sldId id="294" r:id="rId16"/>
+    <p:sldId id="293" r:id="rId17"/>
     <p:sldId id="291" r:id="rId18"/>
-    <p:sldId id="289" r:id="rId19"/>
-    <p:sldId id="273" r:id="rId20"/>
-    <p:sldId id="276" r:id="rId21"/>
-    <p:sldId id="275" r:id="rId22"/>
-    <p:sldId id="258" r:id="rId23"/>
-    <p:sldId id="266" r:id="rId24"/>
+    <p:sldId id="283" r:id="rId19"/>
+    <p:sldId id="289" r:id="rId20"/>
+    <p:sldId id="273" r:id="rId21"/>
+    <p:sldId id="276" r:id="rId22"/>
+    <p:sldId id="275" r:id="rId23"/>
+    <p:sldId id="258" r:id="rId24"/>
+    <p:sldId id="266" r:id="rId25"/>
   </p:sldIdLst>
   <p:sldSz cx="12192000" cy="6858000"/>
   <p:notesSz cx="6858000" cy="9144000"/>
@@ -858,29 +859,22 @@
           <a:lstStyle/>
           <a:p>
             <a:r>
+              <a:rPr lang="en-US" dirty="0" err="1" smtClean="0"/>
+              <a:t>siscoten</a:t>
+            </a:r>
+            <a:r>
+              <a:rPr lang="en-US" smtClean="0"/>
+              <a:t> </a:t>
+            </a:r>
+            <a:r>
               <a:rPr lang="en-US" dirty="0" smtClean="0"/>
-              <a:t>Example of non-proportional condensation</a:t>
-            </a:r>
-          </a:p>
-          <a:p>
-            <a:endParaRPr lang="en-US" dirty="0" smtClean="0"/>
-          </a:p>
-          <a:p>
-            <a:r>
-              <a:rPr lang="en-US" dirty="0" smtClean="0"/>
-              <a:t>Metacentric </a:t>
-            </a:r>
-            <a:r>
-              <a:rPr lang="en-US" dirty="0" err="1" smtClean="0"/>
-              <a:t>chrm</a:t>
-            </a:r>
-            <a:r>
-              <a:rPr lang="en-US" dirty="0" smtClean="0"/>
-              <a:t> -- 1</a:t>
-            </a:r>
-          </a:p>
-          <a:p>
-            <a:endParaRPr lang="en-US" dirty="0"/>
+              <a:t>by </a:t>
+            </a:r>
+            <a:r>
+              <a:rPr lang="en-US" smtClean="0"/>
+              <a:t>chromosome class</a:t>
+            </a:r>
+            <a:endParaRPr lang="en-US"/>
           </a:p>
         </p:txBody>
       </p:sp>
@@ -910,7 +904,7 @@
     </p:spTree>
     <p:extLst>
       <p:ext uri="{BB962C8B-B14F-4D97-AF65-F5344CB8AC3E}">
-        <p14:creationId xmlns:p14="http://schemas.microsoft.com/office/powerpoint/2010/main" val="3925958856"/>
+        <p14:creationId xmlns:p14="http://schemas.microsoft.com/office/powerpoint/2010/main" val="1201077411"/>
       </p:ext>
     </p:extLst>
   </p:cSld>
@@ -964,19 +958,7 @@
           <a:bodyPr/>
           <a:lstStyle/>
           <a:p>
-            <a:r>
-              <a:rPr lang="en-US" smtClean="0"/>
-              <a:t>siscoten </a:t>
-            </a:r>
-            <a:r>
-              <a:rPr lang="en-US" dirty="0" smtClean="0"/>
-              <a:t>by </a:t>
-            </a:r>
-            <a:r>
-              <a:rPr lang="en-US" smtClean="0"/>
-              <a:t>chromosome class</a:t>
-            </a:r>
-            <a:endParaRPr lang="en-US"/>
+            <a:endParaRPr lang="en-US" dirty="0"/>
           </a:p>
         </p:txBody>
       </p:sp>
@@ -995,7 +977,7 @@
           <a:bodyPr/>
           <a:lstStyle/>
           <a:p>
-            <a:fld id="{F0EA7D7A-8002-4A2C-84D6-677C6F176481}" type="slidenum">
+            <a:fld id="{7B7C51C1-9819-4643-A9BE-FEBECE5AA7E7}" type="slidenum">
               <a:rPr lang="en-US" smtClean="0"/>
               <a:t>14</a:t>
             </a:fld>
@@ -1006,7 +988,7 @@
     </p:spTree>
     <p:extLst>
       <p:ext uri="{BB962C8B-B14F-4D97-AF65-F5344CB8AC3E}">
-        <p14:creationId xmlns:p14="http://schemas.microsoft.com/office/powerpoint/2010/main" val="1201077411"/>
+        <p14:creationId xmlns:p14="http://schemas.microsoft.com/office/powerpoint/2010/main" val="3996763734"/>
       </p:ext>
     </p:extLst>
   </p:cSld>
@@ -1081,7 +1063,7 @@
           <a:p>
             <a:fld id="{F0EA7D7A-8002-4A2C-84D6-677C6F176481}" type="slidenum">
               <a:rPr lang="en-US" smtClean="0"/>
-              <a:t>15</a:t>
+              <a:t>16</a:t>
             </a:fld>
             <a:endParaRPr lang="en-US"/>
           </a:p>
@@ -1193,7 +1175,7 @@
           <a:p>
             <a:fld id="{F0EA7D7A-8002-4A2C-84D6-677C6F176481}" type="slidenum">
               <a:rPr lang="en-US" smtClean="0"/>
-              <a:t>16</a:t>
+              <a:t>18</a:t>
             </a:fld>
             <a:endParaRPr lang="en-US"/>
           </a:p>
@@ -1277,7 +1259,7 @@
           <a:p>
             <a:fld id="{F0EA7D7A-8002-4A2C-84D6-677C6F176481}" type="slidenum">
               <a:rPr lang="en-US" smtClean="0"/>
-              <a:t>20</a:t>
+              <a:t>21</a:t>
             </a:fld>
             <a:endParaRPr lang="en-US"/>
           </a:p>
@@ -1439,7 +1421,7 @@
           <a:p>
             <a:fld id="{F0EA7D7A-8002-4A2C-84D6-677C6F176481}" type="slidenum">
               <a:rPr lang="en-US" smtClean="0"/>
-              <a:t>21</a:t>
+              <a:t>22</a:t>
             </a:fld>
             <a:endParaRPr lang="en-US"/>
           </a:p>
@@ -1567,7 +1549,7 @@
           <a:p>
             <a:fld id="{F0EA7D7A-8002-4A2C-84D6-677C6F176481}" type="slidenum">
               <a:rPr lang="en-US" smtClean="0"/>
-              <a:t>22</a:t>
+              <a:t>23</a:t>
             </a:fld>
             <a:endParaRPr lang="en-US"/>
           </a:p>
@@ -7710,7 +7692,11 @@
           <a:p>
             <a:r>
               <a:rPr lang="en-US" dirty="0" smtClean="0"/>
-              <a:t>New metric</a:t>
+              <a:t>Sister cohesion tension </a:t>
+            </a:r>
+            <a:r>
+              <a:rPr lang="en-US" dirty="0" smtClean="0"/>
+              <a:t>metric</a:t>
             </a:r>
             <a:endParaRPr lang="en-US" dirty="0"/>
           </a:p>
@@ -7737,7 +7723,7 @@
         </p:blipFill>
         <p:spPr>
           <a:xfrm>
-            <a:off x="4784379" y="2052604"/>
+            <a:off x="3286642" y="2052604"/>
             <a:ext cx="1311621" cy="3640859"/>
           </a:xfrm>
           <a:prstGeom prst="rect">
@@ -7753,8 +7739,8 @@
         </p:nvSpPr>
         <p:spPr>
           <a:xfrm>
-            <a:off x="4191255" y="3452903"/>
-            <a:ext cx="593124" cy="1820430"/>
+            <a:off x="2693518" y="3452903"/>
+            <a:ext cx="593124" cy="1686656"/>
           </a:xfrm>
           <a:prstGeom prst="leftBrace">
             <a:avLst/>
@@ -7781,6 +7767,254 @@
           <a:p>
             <a:pPr algn="ctr"/>
             <a:endParaRPr lang="en-US"/>
+          </a:p>
+        </p:txBody>
+      </p:sp>
+      <p:pic>
+        <p:nvPicPr>
+          <p:cNvPr id="4" name="Picture 3"/>
+          <p:cNvPicPr>
+            <a:picLocks noChangeAspect="1"/>
+          </p:cNvPicPr>
+          <p:nvPr/>
+        </p:nvPicPr>
+        <p:blipFill rotWithShape="1">
+          <a:blip r:embed="rId4">
+            <a:extLst>
+              <a:ext uri="{28A0092B-C50C-407E-A947-70E740481C1C}">
+                <a14:useLocalDpi xmlns:a14="http://schemas.microsoft.com/office/drawing/2010/main" val="0"/>
+              </a:ext>
+            </a:extLst>
+          </a:blip>
+          <a:srcRect l="12600" t="10980" r="68563" b="16901"/>
+          <a:stretch/>
+        </p:blipFill>
+        <p:spPr>
+          <a:xfrm>
+            <a:off x="1050829" y="2052604"/>
+            <a:ext cx="1219919" cy="3501887"/>
+          </a:xfrm>
+          <a:prstGeom prst="rect">
+            <a:avLst/>
+          </a:prstGeom>
+        </p:spPr>
+      </p:pic>
+      <p:pic>
+        <p:nvPicPr>
+          <p:cNvPr id="6" name="Picture 5"/>
+          <p:cNvPicPr>
+            <a:picLocks noChangeAspect="1"/>
+          </p:cNvPicPr>
+          <p:nvPr/>
+        </p:nvPicPr>
+        <p:blipFill rotWithShape="1">
+          <a:blip r:embed="rId5">
+            <a:extLst>
+              <a:ext uri="{28A0092B-C50C-407E-A947-70E740481C1C}">
+                <a14:useLocalDpi xmlns:a14="http://schemas.microsoft.com/office/drawing/2010/main" val="0"/>
+              </a:ext>
+            </a:extLst>
+          </a:blip>
+          <a:srcRect l="18121" t="11204" r="66294" b="14313"/>
+          <a:stretch/>
+        </p:blipFill>
+        <p:spPr>
+          <a:xfrm>
+            <a:off x="5628270" y="2052604"/>
+            <a:ext cx="987624" cy="3539126"/>
+          </a:xfrm>
+          <a:prstGeom prst="rect">
+            <a:avLst/>
+          </a:prstGeom>
+        </p:spPr>
+      </p:pic>
+      <p:sp>
+        <p:nvSpPr>
+          <p:cNvPr id="9" name="Left Brace 8"/>
+          <p:cNvSpPr/>
+          <p:nvPr/>
+        </p:nvSpPr>
+        <p:spPr>
+          <a:xfrm>
+            <a:off x="395729" y="4363118"/>
+            <a:ext cx="531148" cy="1075985"/>
+          </a:xfrm>
+          <a:prstGeom prst="leftBrace">
+            <a:avLst/>
+          </a:prstGeom>
+          <a:ln w="38100"/>
+        </p:spPr>
+        <p:style>
+          <a:lnRef idx="1">
+            <a:schemeClr val="accent1"/>
+          </a:lnRef>
+          <a:fillRef idx="0">
+            <a:schemeClr val="accent1"/>
+          </a:fillRef>
+          <a:effectRef idx="0">
+            <a:schemeClr val="accent1"/>
+          </a:effectRef>
+          <a:fontRef idx="minor">
+            <a:schemeClr val="tx1"/>
+          </a:fontRef>
+        </p:style>
+        <p:txBody>
+          <a:bodyPr rtlCol="0" anchor="ctr"/>
+          <a:lstStyle/>
+          <a:p>
+            <a:pPr algn="ctr"/>
+            <a:endParaRPr lang="en-US"/>
+          </a:p>
+        </p:txBody>
+      </p:sp>
+      <p:sp>
+        <p:nvSpPr>
+          <p:cNvPr id="10" name="Left Brace 9"/>
+          <p:cNvSpPr/>
+          <p:nvPr/>
+        </p:nvSpPr>
+        <p:spPr>
+          <a:xfrm>
+            <a:off x="5186840" y="3064920"/>
+            <a:ext cx="363693" cy="1144473"/>
+          </a:xfrm>
+          <a:prstGeom prst="leftBrace">
+            <a:avLst/>
+          </a:prstGeom>
+          <a:ln w="38100"/>
+        </p:spPr>
+        <p:style>
+          <a:lnRef idx="1">
+            <a:schemeClr val="accent1"/>
+          </a:lnRef>
+          <a:fillRef idx="0">
+            <a:schemeClr val="accent1"/>
+          </a:fillRef>
+          <a:effectRef idx="0">
+            <a:schemeClr val="accent1"/>
+          </a:effectRef>
+          <a:fontRef idx="minor">
+            <a:schemeClr val="tx1"/>
+          </a:fontRef>
+        </p:style>
+        <p:txBody>
+          <a:bodyPr rtlCol="0" anchor="ctr"/>
+          <a:lstStyle/>
+          <a:p>
+            <a:pPr algn="ctr"/>
+            <a:endParaRPr lang="en-US"/>
+          </a:p>
+        </p:txBody>
+      </p:sp>
+      <p:sp>
+        <p:nvSpPr>
+          <p:cNvPr id="11" name="Left Brace 10"/>
+          <p:cNvSpPr/>
+          <p:nvPr/>
+        </p:nvSpPr>
+        <p:spPr>
+          <a:xfrm>
+            <a:off x="5186840" y="4901110"/>
+            <a:ext cx="363693" cy="238449"/>
+          </a:xfrm>
+          <a:prstGeom prst="leftBrace">
+            <a:avLst/>
+          </a:prstGeom>
+          <a:ln w="38100"/>
+        </p:spPr>
+        <p:style>
+          <a:lnRef idx="1">
+            <a:schemeClr val="accent1"/>
+          </a:lnRef>
+          <a:fillRef idx="0">
+            <a:schemeClr val="accent1"/>
+          </a:fillRef>
+          <a:effectRef idx="0">
+            <a:schemeClr val="accent1"/>
+          </a:effectRef>
+          <a:fontRef idx="minor">
+            <a:schemeClr val="tx1"/>
+          </a:fontRef>
+        </p:style>
+        <p:txBody>
+          <a:bodyPr rtlCol="0" anchor="ctr"/>
+          <a:lstStyle/>
+          <a:p>
+            <a:pPr algn="ctr"/>
+            <a:endParaRPr lang="en-US"/>
+          </a:p>
+        </p:txBody>
+      </p:sp>
+      <p:sp>
+        <p:nvSpPr>
+          <p:cNvPr id="12" name="Content Placeholder 2"/>
+          <p:cNvSpPr>
+            <a:spLocks noGrp="1"/>
+          </p:cNvSpPr>
+          <p:nvPr>
+            <p:ph sz="half" idx="1"/>
+          </p:nvPr>
+        </p:nvSpPr>
+        <p:spPr>
+          <a:xfrm>
+            <a:off x="7362495" y="1697364"/>
+            <a:ext cx="4656083" cy="4351338"/>
+          </a:xfrm>
+        </p:spPr>
+        <p:txBody>
+          <a:bodyPr>
+            <a:normAutofit/>
+          </a:bodyPr>
+          <a:lstStyle/>
+          <a:p>
+            <a:pPr marL="0" indent="0">
+              <a:buNone/>
+            </a:pPr>
+            <a:r>
+              <a:rPr lang="en-US" dirty="0" smtClean="0"/>
+              <a:t>Assumptions</a:t>
+            </a:r>
+            <a:endParaRPr lang="en-US" dirty="0" smtClean="0"/>
+          </a:p>
+          <a:p>
+            <a:pPr lvl="1"/>
+            <a:r>
+              <a:rPr lang="en-US" dirty="0"/>
+              <a:t>Bivalent </a:t>
+            </a:r>
+            <a:r>
+              <a:rPr lang="en-US" dirty="0" smtClean="0"/>
+              <a:t>interference: </a:t>
+            </a:r>
+            <a:r>
+              <a:rPr lang="en-US" dirty="0"/>
+              <a:t>only 2 of 4 chromatids have </a:t>
+            </a:r>
+            <a:r>
+              <a:rPr lang="en-US" dirty="0" smtClean="0"/>
+              <a:t>COs</a:t>
+            </a:r>
+            <a:endParaRPr lang="en-US" dirty="0" smtClean="0"/>
+          </a:p>
+          <a:p>
+            <a:pPr lvl="1"/>
+            <a:r>
+              <a:rPr lang="en-US" dirty="0" smtClean="0"/>
+              <a:t>Uniform condensation </a:t>
+            </a:r>
+            <a:r>
+              <a:rPr lang="en-US" dirty="0" smtClean="0"/>
+              <a:t>across</a:t>
+            </a:r>
+            <a:r>
+              <a:rPr lang="en-US" dirty="0" smtClean="0"/>
+              <a:t> chromatids from pachytene to metaphase</a:t>
+            </a:r>
+            <a:endParaRPr lang="en-US" dirty="0" smtClean="0"/>
+          </a:p>
+          <a:p>
+            <a:pPr lvl="1"/>
+            <a:endParaRPr lang="en-US" dirty="0"/>
           </a:p>
         </p:txBody>
       </p:sp>
@@ -7836,7 +8070,7 @@
           <a:bodyPr/>
           <a:lstStyle/>
           <a:p>
-            <a:endParaRPr lang="en-US" dirty="0"/>
+            <a:endParaRPr lang="en-US"/>
           </a:p>
         </p:txBody>
       </p:sp>
@@ -7852,63 +8086,10 @@
         </p:nvSpPr>
         <p:spPr/>
         <p:txBody>
-          <a:bodyPr>
-            <a:normAutofit lnSpcReduction="10000"/>
-          </a:bodyPr>
+          <a:bodyPr/>
           <a:lstStyle/>
           <a:p>
-            <a:r>
-              <a:rPr lang="en-US" dirty="0" smtClean="0"/>
-              <a:t>Sis-co-ten as constraint</a:t>
-            </a:r>
-          </a:p>
-          <a:p>
-            <a:pPr lvl="1"/>
-            <a:r>
-              <a:rPr lang="en-US" dirty="0"/>
-              <a:t>This value should be consistent across bivalents of similar size</a:t>
-            </a:r>
-          </a:p>
-          <a:p>
-            <a:pPr lvl="1"/>
-            <a:r>
-              <a:rPr lang="en-US" dirty="0"/>
-              <a:t>Across cells and individuals</a:t>
-            </a:r>
-          </a:p>
-          <a:p>
-            <a:endParaRPr lang="en-US" dirty="0" smtClean="0"/>
-          </a:p>
-          <a:p>
-            <a:r>
-              <a:rPr lang="en-US" dirty="0" smtClean="0"/>
-              <a:t>Assumptions</a:t>
-            </a:r>
-          </a:p>
-          <a:p>
-            <a:pPr lvl="1"/>
-            <a:r>
-              <a:rPr lang="en-US" dirty="0" smtClean="0"/>
-              <a:t>Uniform/ equivalent condensation of chromatids</a:t>
-            </a:r>
-          </a:p>
-          <a:p>
-            <a:pPr lvl="1"/>
-            <a:r>
-              <a:rPr lang="en-US" dirty="0" smtClean="0"/>
-              <a:t>Bivalent interference- only 2 of 4 chromatids have COs</a:t>
-            </a:r>
-          </a:p>
-          <a:p>
-            <a:pPr lvl="1"/>
-            <a:r>
-              <a:rPr lang="en-US" dirty="0" smtClean="0"/>
-              <a:t>Conserved / Same astral / MT tension force</a:t>
-            </a:r>
-          </a:p>
-          <a:p>
-            <a:pPr lvl="1"/>
-            <a:endParaRPr lang="en-US" dirty="0"/>
+            <a:endParaRPr lang="en-US"/>
           </a:p>
         </p:txBody>
       </p:sp>
@@ -7924,22 +8105,95 @@
         </p:nvSpPr>
         <p:spPr/>
         <p:txBody>
-          <a:bodyPr>
-            <a:normAutofit lnSpcReduction="10000"/>
+          <a:bodyPr/>
+          <a:lstStyle/>
+          <a:p>
+            <a:endParaRPr lang="en-US"/>
+          </a:p>
+        </p:txBody>
+      </p:sp>
+      <p:pic>
+        <p:nvPicPr>
+          <p:cNvPr id="5" name="Picture 4"/>
+          <p:cNvPicPr>
+            <a:picLocks noChangeAspect="1"/>
+          </p:cNvPicPr>
+          <p:nvPr/>
+        </p:nvPicPr>
+        <p:blipFill>
+          <a:blip r:embed="rId3"/>
+          <a:stretch>
+            <a:fillRect/>
+          </a:stretch>
+        </p:blipFill>
+        <p:spPr>
+          <a:xfrm>
+            <a:off x="704335" y="1825625"/>
+            <a:ext cx="5181600" cy="4611204"/>
+          </a:xfrm>
+          <a:prstGeom prst="rect">
+            <a:avLst/>
+          </a:prstGeom>
+        </p:spPr>
+      </p:pic>
+      <p:sp>
+        <p:nvSpPr>
+          <p:cNvPr id="6" name="TextBox 5"/>
+          <p:cNvSpPr txBox="1"/>
+          <p:nvPr/>
+        </p:nvSpPr>
+        <p:spPr>
+          <a:xfrm>
+            <a:off x="10527957" y="4399005"/>
+            <a:ext cx="1112108" cy="923330"/>
+          </a:xfrm>
+          <a:prstGeom prst="rect">
+            <a:avLst/>
+          </a:prstGeom>
+          <a:noFill/>
+        </p:spPr>
+        <p:txBody>
+          <a:bodyPr wrap="square" rtlCol="0">
+            <a:spAutoFit/>
           </a:bodyPr>
           <a:lstStyle/>
           <a:p>
             <a:r>
               <a:rPr lang="en-US" dirty="0" smtClean="0"/>
-              <a:t>(expected patterns)</a:t>
-            </a:r>
-          </a:p>
-        </p:txBody>
-      </p:sp>
+              <a:t>Make relative box</a:t>
+            </a:r>
+            <a:endParaRPr lang="en-US" dirty="0"/>
+          </a:p>
+        </p:txBody>
+      </p:sp>
+      <p:pic>
+        <p:nvPicPr>
+          <p:cNvPr id="7" name="Picture 6"/>
+          <p:cNvPicPr>
+            <a:picLocks noChangeAspect="1"/>
+          </p:cNvPicPr>
+          <p:nvPr/>
+        </p:nvPicPr>
+        <p:blipFill>
+          <a:blip r:embed="rId4"/>
+          <a:stretch>
+            <a:fillRect/>
+          </a:stretch>
+        </p:blipFill>
+        <p:spPr>
+          <a:xfrm>
+            <a:off x="6153665" y="1825625"/>
+            <a:ext cx="5350073" cy="4701209"/>
+          </a:xfrm>
+          <a:prstGeom prst="rect">
+            <a:avLst/>
+          </a:prstGeom>
+        </p:spPr>
+      </p:pic>
     </p:spTree>
     <p:extLst>
       <p:ext uri="{BB962C8B-B14F-4D97-AF65-F5344CB8AC3E}">
-        <p14:creationId xmlns:p14="http://schemas.microsoft.com/office/powerpoint/2010/main" val="4002786404"/>
+        <p14:creationId xmlns:p14="http://schemas.microsoft.com/office/powerpoint/2010/main" val="1822342424"/>
       </p:ext>
     </p:extLst>
   </p:cSld>
@@ -7973,121 +8227,581 @@
           <a:chExt cx="0" cy="0"/>
         </a:xfrm>
       </p:grpSpPr>
-      <p:sp>
-        <p:nvSpPr>
-          <p:cNvPr id="2" name="Title 1"/>
-          <p:cNvSpPr>
-            <a:spLocks noGrp="1"/>
+      <p:grpSp>
+        <p:nvGrpSpPr>
+          <p:cNvPr id="15" name="Group 14"/>
+          <p:cNvGrpSpPr/>
+          <p:nvPr/>
+        </p:nvGrpSpPr>
+        <p:grpSpPr>
+          <a:xfrm>
+            <a:off x="6556917" y="2531327"/>
+            <a:ext cx="4148254" cy="4135094"/>
+            <a:chOff x="6936059" y="2246568"/>
+            <a:chExt cx="4148254" cy="4466467"/>
+          </a:xfrm>
+        </p:grpSpPr>
+        <p:pic>
+          <p:nvPicPr>
+            <p:cNvPr id="2" name="Picture 1"/>
+            <p:cNvPicPr>
+              <a:picLocks noChangeAspect="1"/>
+            </p:cNvPicPr>
+            <p:nvPr/>
+          </p:nvPicPr>
+          <p:blipFill rotWithShape="1">
+            <a:blip r:embed="rId3"/>
+            <a:srcRect t="3219" r="14907"/>
+            <a:stretch/>
+          </p:blipFill>
+          <p:spPr>
+            <a:xfrm>
+              <a:off x="6936059" y="2376365"/>
+              <a:ext cx="4148254" cy="4336670"/>
+            </a:xfrm>
+            <a:prstGeom prst="rect">
+              <a:avLst/>
+            </a:prstGeom>
+          </p:spPr>
+        </p:pic>
+        <p:sp>
+          <p:nvSpPr>
+            <p:cNvPr id="14" name="TextBox 13"/>
+            <p:cNvSpPr txBox="1"/>
+            <p:nvPr/>
+          </p:nvSpPr>
+          <p:spPr>
+            <a:xfrm>
+              <a:off x="7238296" y="2246568"/>
+              <a:ext cx="1692676" cy="369332"/>
+            </a:xfrm>
+            <a:prstGeom prst="rect">
+              <a:avLst/>
+            </a:prstGeom>
+            <a:solidFill>
+              <a:schemeClr val="bg1"/>
+            </a:solidFill>
+            <a:ln>
+              <a:solidFill>
+                <a:schemeClr val="accent2"/>
+              </a:solidFill>
+            </a:ln>
+          </p:spPr>
+          <p:txBody>
+            <a:bodyPr wrap="square" rtlCol="0">
+              <a:spAutoFit/>
+            </a:bodyPr>
+            <a:lstStyle/>
+            <a:p>
+              <a:pPr algn="ctr"/>
+              <a:r>
+                <a:rPr lang="en-US" dirty="0" smtClean="0"/>
+                <a:t>PWD</a:t>
+              </a:r>
+              <a:endParaRPr lang="en-US" dirty="0"/>
+            </a:p>
+          </p:txBody>
+        </p:sp>
+      </p:grpSp>
+      <p:grpSp>
+        <p:nvGrpSpPr>
+          <p:cNvPr id="16" name="Group 15"/>
+          <p:cNvGrpSpPr/>
+          <p:nvPr/>
+        </p:nvGrpSpPr>
+        <p:grpSpPr>
+          <a:xfrm>
+            <a:off x="721336" y="2431234"/>
+            <a:ext cx="4716966" cy="4042266"/>
+            <a:chOff x="1234292" y="2431234"/>
+            <a:chExt cx="4716966" cy="4042266"/>
+          </a:xfrm>
+        </p:grpSpPr>
+        <p:pic>
+          <p:nvPicPr>
+            <p:cNvPr id="3" name="Picture 2"/>
+            <p:cNvPicPr>
+              <a:picLocks noChangeAspect="1"/>
+            </p:cNvPicPr>
+            <p:nvPr/>
+          </p:nvPicPr>
+          <p:blipFill rotWithShape="1">
+            <a:blip r:embed="rId4"/>
+            <a:srcRect r="15653" b="34309"/>
+            <a:stretch/>
+          </p:blipFill>
+          <p:spPr>
+            <a:xfrm>
+              <a:off x="1234292" y="2615900"/>
+              <a:ext cx="4716966" cy="3857600"/>
+            </a:xfrm>
+            <a:prstGeom prst="rect">
+              <a:avLst/>
+            </a:prstGeom>
+          </p:spPr>
+        </p:pic>
+        <p:sp>
+          <p:nvSpPr>
+            <p:cNvPr id="13" name="TextBox 12"/>
+            <p:cNvSpPr txBox="1"/>
+            <p:nvPr/>
+          </p:nvSpPr>
+          <p:spPr>
+            <a:xfrm>
+              <a:off x="1536838" y="2431234"/>
+              <a:ext cx="1692676" cy="369332"/>
+            </a:xfrm>
+            <a:prstGeom prst="rect">
+              <a:avLst/>
+            </a:prstGeom>
+            <a:solidFill>
+              <a:schemeClr val="bg1"/>
+            </a:solidFill>
+            <a:ln>
+              <a:solidFill>
+                <a:schemeClr val="accent2"/>
+              </a:solidFill>
+            </a:ln>
+          </p:spPr>
+          <p:txBody>
+            <a:bodyPr wrap="square" rtlCol="0">
+              <a:spAutoFit/>
+            </a:bodyPr>
+            <a:lstStyle/>
+            <a:p>
+              <a:pPr algn="ctr"/>
+              <a:r>
+                <a:rPr lang="en-US" dirty="0" smtClean="0"/>
+                <a:t>KAZ</a:t>
+              </a:r>
+              <a:endParaRPr lang="en-US" dirty="0"/>
+            </a:p>
+          </p:txBody>
+        </p:sp>
+      </p:grpSp>
+      <p:graphicFrame>
+        <p:nvGraphicFramePr>
+          <p:cNvPr id="4" name="Table 3"/>
+          <p:cNvGraphicFramePr>
+            <a:graphicFrameLocks noGrp="1"/>
+          </p:cNvGraphicFramePr>
+          <p:nvPr>
+            <p:extLst/>
+          </p:nvPr>
+        </p:nvGraphicFramePr>
+        <p:xfrm>
+          <a:off x="7705492" y="483272"/>
+          <a:ext cx="3272752" cy="1483360"/>
+        </p:xfrm>
+        <a:graphic>
+          <a:graphicData uri="http://schemas.openxmlformats.org/drawingml/2006/table">
+            <a:tbl>
+              <a:tblPr firstRow="1" bandRow="1">
+                <a:tableStyleId>{5C22544A-7EE6-4342-B048-85BDC9FD1C3A}</a:tableStyleId>
+              </a:tblPr>
+              <a:tblGrid>
+                <a:gridCol w="1636376"/>
+                <a:gridCol w="1636376"/>
+              </a:tblGrid>
+              <a:tr h="370840">
+                <a:tc>
+                  <a:txBody>
+                    <a:bodyPr/>
+                    <a:lstStyle/>
+                    <a:p>
+                      <a:r>
+                        <a:rPr lang="en-US" dirty="0" err="1" smtClean="0"/>
+                        <a:t>t.test</a:t>
+                      </a:r>
+                      <a:endParaRPr lang="en-US" dirty="0"/>
+                    </a:p>
+                  </a:txBody>
+                  <a:tcPr/>
+                </a:tc>
+                <a:tc>
+                  <a:txBody>
+                    <a:bodyPr/>
+                    <a:lstStyle/>
+                    <a:p>
+                      <a:r>
+                        <a:rPr lang="en-US" dirty="0" err="1" smtClean="0"/>
+                        <a:t>p.value</a:t>
+                      </a:r>
+                      <a:endParaRPr lang="en-US" dirty="0"/>
+                    </a:p>
+                  </a:txBody>
+                  <a:tcPr/>
+                </a:tc>
+              </a:tr>
+              <a:tr h="370840">
+                <a:tc>
+                  <a:txBody>
+                    <a:bodyPr/>
+                    <a:lstStyle/>
+                    <a:p>
+                      <a:r>
+                        <a:rPr lang="en-US" dirty="0" smtClean="0"/>
+                        <a:t>1CO</a:t>
+                      </a:r>
+                    </a:p>
+                  </a:txBody>
+                  <a:tcPr/>
+                </a:tc>
+                <a:tc>
+                  <a:txBody>
+                    <a:bodyPr/>
+                    <a:lstStyle/>
+                    <a:p>
+                      <a:r>
+                        <a:rPr lang="en-US" dirty="0" smtClean="0"/>
+                        <a:t>0.5468</a:t>
+                      </a:r>
+                      <a:endParaRPr lang="en-US" dirty="0"/>
+                    </a:p>
+                  </a:txBody>
+                  <a:tcPr/>
+                </a:tc>
+              </a:tr>
+              <a:tr h="370840">
+                <a:tc>
+                  <a:txBody>
+                    <a:bodyPr/>
+                    <a:lstStyle/>
+                    <a:p>
+                      <a:r>
+                        <a:rPr lang="en-US" dirty="0" smtClean="0"/>
+                        <a:t>2CO   1</a:t>
+                      </a:r>
+                      <a:r>
+                        <a:rPr lang="en-US" baseline="30000" dirty="0" smtClean="0"/>
+                        <a:t>st</a:t>
+                      </a:r>
+                      <a:endParaRPr lang="en-US" dirty="0" smtClean="0"/>
+                    </a:p>
+                  </a:txBody>
+                  <a:tcPr/>
+                </a:tc>
+                <a:tc>
+                  <a:txBody>
+                    <a:bodyPr/>
+                    <a:lstStyle/>
+                    <a:p>
+                      <a:r>
+                        <a:rPr lang="en-US" dirty="0" smtClean="0"/>
+                        <a:t>0.9421</a:t>
+                      </a:r>
+                      <a:endParaRPr lang="en-US" dirty="0"/>
+                    </a:p>
+                  </a:txBody>
+                  <a:tcPr/>
+                </a:tc>
+              </a:tr>
+              <a:tr h="370840">
+                <a:tc>
+                  <a:txBody>
+                    <a:bodyPr/>
+                    <a:lstStyle/>
+                    <a:p>
+                      <a:r>
+                        <a:rPr lang="en-US" dirty="0" smtClean="0"/>
+                        <a:t>2CO  2nd</a:t>
+                      </a:r>
+                    </a:p>
+                  </a:txBody>
+                  <a:tcPr/>
+                </a:tc>
+                <a:tc>
+                  <a:txBody>
+                    <a:bodyPr/>
+                    <a:lstStyle/>
+                    <a:p>
+                      <a:r>
+                        <a:rPr lang="en-US" dirty="0" smtClean="0"/>
+                        <a:t>0.5403</a:t>
+                      </a:r>
+                      <a:endParaRPr lang="en-US" dirty="0"/>
+                    </a:p>
+                  </a:txBody>
+                  <a:tcPr/>
+                </a:tc>
+              </a:tr>
+            </a:tbl>
+          </a:graphicData>
+        </a:graphic>
+      </p:graphicFrame>
+      <p:sp>
+        <p:nvSpPr>
+          <p:cNvPr id="5" name="Title 1"/>
+          <p:cNvSpPr txBox="1">
+            <a:spLocks/>
           </p:cNvSpPr>
-          <p:nvPr>
-            <p:ph type="title"/>
-          </p:nvPr>
-        </p:nvSpPr>
-        <p:spPr/>
-        <p:txBody>
-          <a:bodyPr/>
-          <a:lstStyle/>
-          <a:p>
-            <a:endParaRPr lang="en-US"/>
-          </a:p>
-        </p:txBody>
-      </p:sp>
-      <p:sp>
-        <p:nvSpPr>
-          <p:cNvPr id="3" name="Content Placeholder 2"/>
-          <p:cNvSpPr>
-            <a:spLocks noGrp="1"/>
-          </p:cNvSpPr>
-          <p:nvPr>
-            <p:ph sz="half" idx="1"/>
-          </p:nvPr>
-        </p:nvSpPr>
-        <p:spPr/>
-        <p:txBody>
-          <a:bodyPr/>
-          <a:lstStyle/>
-          <a:p>
-            <a:endParaRPr lang="en-US"/>
-          </a:p>
-        </p:txBody>
-      </p:sp>
-      <p:sp>
-        <p:nvSpPr>
-          <p:cNvPr id="4" name="Content Placeholder 3"/>
-          <p:cNvSpPr>
-            <a:spLocks noGrp="1"/>
-          </p:cNvSpPr>
-          <p:nvPr>
-            <p:ph sz="half" idx="2"/>
-          </p:nvPr>
-        </p:nvSpPr>
-        <p:spPr/>
-        <p:txBody>
-          <a:bodyPr/>
-          <a:lstStyle/>
-          <a:p>
-            <a:endParaRPr lang="en-US"/>
-          </a:p>
-        </p:txBody>
-      </p:sp>
-      <p:pic>
-        <p:nvPicPr>
-          <p:cNvPr id="5" name="Picture 4"/>
-          <p:cNvPicPr>
-            <a:picLocks noChangeAspect="1"/>
-          </p:cNvPicPr>
           <p:nvPr/>
-        </p:nvPicPr>
-        <p:blipFill>
-          <a:blip r:embed="rId3"/>
-          <a:stretch>
-            <a:fillRect/>
-          </a:stretch>
-        </p:blipFill>
+        </p:nvSpPr>
         <p:spPr>
           <a:xfrm>
-            <a:off x="2546917" y="676832"/>
-            <a:ext cx="6945765" cy="6181168"/>
+            <a:off x="442555" y="318941"/>
+            <a:ext cx="10515600" cy="1325563"/>
           </a:xfrm>
           <a:prstGeom prst="rect">
             <a:avLst/>
           </a:prstGeom>
         </p:spPr>
-      </p:pic>
-      <p:sp>
-        <p:nvSpPr>
-          <p:cNvPr id="6" name="TextBox 5"/>
-          <p:cNvSpPr txBox="1"/>
+        <p:txBody>
+          <a:bodyPr vert="horz" lIns="91440" tIns="45720" rIns="91440" bIns="45720" rtlCol="0" anchor="ctr">
+            <a:normAutofit/>
+          </a:bodyPr>
+          <a:lstStyle>
+            <a:lvl1pPr algn="l" defTabSz="914400" rtl="0" eaLnBrk="1" latinLnBrk="0" hangingPunct="1">
+              <a:lnSpc>
+                <a:spcPct val="90000"/>
+              </a:lnSpc>
+              <a:spcBef>
+                <a:spcPct val="0"/>
+              </a:spcBef>
+              <a:buNone/>
+              <a:defRPr sz="4400" kern="1200">
+                <a:solidFill>
+                  <a:schemeClr val="tx1"/>
+                </a:solidFill>
+                <a:latin typeface="+mj-lt"/>
+                <a:ea typeface="+mj-ea"/>
+                <a:cs typeface="+mj-cs"/>
+              </a:defRPr>
+            </a:lvl1pPr>
+          </a:lstStyle>
+          <a:p>
+            <a:r>
+              <a:rPr lang="en-US" dirty="0" smtClean="0"/>
+              <a:t>No Difference in Average</a:t>
+            </a:r>
+          </a:p>
+          <a:p>
+            <a:r>
+              <a:rPr lang="en-US" dirty="0" smtClean="0"/>
+              <a:t>Normalized CO Positions</a:t>
+            </a:r>
+            <a:endParaRPr lang="en-US" dirty="0"/>
+          </a:p>
+        </p:txBody>
+      </p:sp>
+      <p:cxnSp>
+        <p:nvCxnSpPr>
+          <p:cNvPr id="7" name="Straight Connector 6"/>
+          <p:cNvCxnSpPr/>
           <p:nvPr/>
-        </p:nvSpPr>
+        </p:nvCxnSpPr>
         <p:spPr>
           <a:xfrm>
-            <a:off x="10527957" y="4399005"/>
-            <a:ext cx="1112108" cy="923330"/>
+            <a:off x="4471639" y="3098030"/>
+            <a:ext cx="0" cy="1400056"/>
           </a:xfrm>
-          <a:prstGeom prst="rect">
+          <a:prstGeom prst="line">
             <a:avLst/>
           </a:prstGeom>
-          <a:noFill/>
+          <a:ln w="38100">
+            <a:solidFill>
+              <a:srgbClr val="C00000"/>
+            </a:solidFill>
+          </a:ln>
         </p:spPr>
-        <p:txBody>
-          <a:bodyPr wrap="square" rtlCol="0">
-            <a:spAutoFit/>
-          </a:bodyPr>
-          <a:lstStyle/>
-          <a:p>
-            <a:r>
-              <a:rPr lang="en-US" dirty="0" smtClean="0"/>
-              <a:t>Make relative box</a:t>
-            </a:r>
-            <a:endParaRPr lang="en-US" dirty="0"/>
-          </a:p>
-        </p:txBody>
-      </p:sp>
+        <p:style>
+          <a:lnRef idx="1">
+            <a:schemeClr val="accent1"/>
+          </a:lnRef>
+          <a:fillRef idx="0">
+            <a:schemeClr val="accent1"/>
+          </a:fillRef>
+          <a:effectRef idx="0">
+            <a:schemeClr val="accent1"/>
+          </a:effectRef>
+          <a:fontRef idx="minor">
+            <a:schemeClr val="tx1"/>
+          </a:fontRef>
+        </p:style>
+      </p:cxnSp>
+      <p:cxnSp>
+        <p:nvCxnSpPr>
+          <p:cNvPr id="8" name="Straight Connector 7"/>
+          <p:cNvCxnSpPr/>
+          <p:nvPr/>
+        </p:nvCxnSpPr>
+        <p:spPr>
+          <a:xfrm>
+            <a:off x="9831659" y="3098030"/>
+            <a:ext cx="0" cy="1400056"/>
+          </a:xfrm>
+          <a:prstGeom prst="line">
+            <a:avLst/>
+          </a:prstGeom>
+          <a:ln w="38100">
+            <a:solidFill>
+              <a:srgbClr val="C00000"/>
+            </a:solidFill>
+          </a:ln>
+        </p:spPr>
+        <p:style>
+          <a:lnRef idx="1">
+            <a:schemeClr val="accent1"/>
+          </a:lnRef>
+          <a:fillRef idx="0">
+            <a:schemeClr val="accent1"/>
+          </a:fillRef>
+          <a:effectRef idx="0">
+            <a:schemeClr val="accent1"/>
+          </a:effectRef>
+          <a:fontRef idx="minor">
+            <a:schemeClr val="tx1"/>
+          </a:fontRef>
+        </p:style>
+      </p:cxnSp>
+      <p:cxnSp>
+        <p:nvCxnSpPr>
+          <p:cNvPr id="9" name="Straight Connector 8"/>
+          <p:cNvCxnSpPr/>
+          <p:nvPr/>
+        </p:nvCxnSpPr>
+        <p:spPr>
+          <a:xfrm>
+            <a:off x="2059258" y="4858215"/>
+            <a:ext cx="0" cy="1400056"/>
+          </a:xfrm>
+          <a:prstGeom prst="line">
+            <a:avLst/>
+          </a:prstGeom>
+          <a:ln w="38100">
+            <a:solidFill>
+              <a:srgbClr val="FF0000"/>
+            </a:solidFill>
+          </a:ln>
+        </p:spPr>
+        <p:style>
+          <a:lnRef idx="1">
+            <a:schemeClr val="accent1"/>
+          </a:lnRef>
+          <a:fillRef idx="0">
+            <a:schemeClr val="accent1"/>
+          </a:fillRef>
+          <a:effectRef idx="0">
+            <a:schemeClr val="accent1"/>
+          </a:effectRef>
+          <a:fontRef idx="minor">
+            <a:schemeClr val="tx1"/>
+          </a:fontRef>
+        </p:style>
+      </p:cxnSp>
+      <p:cxnSp>
+        <p:nvCxnSpPr>
+          <p:cNvPr id="10" name="Straight Connector 9"/>
+          <p:cNvCxnSpPr/>
+          <p:nvPr/>
+        </p:nvCxnSpPr>
+        <p:spPr>
+          <a:xfrm>
+            <a:off x="7764964" y="4988313"/>
+            <a:ext cx="0" cy="1400056"/>
+          </a:xfrm>
+          <a:prstGeom prst="line">
+            <a:avLst/>
+          </a:prstGeom>
+          <a:ln w="38100">
+            <a:solidFill>
+              <a:srgbClr val="FF0000"/>
+            </a:solidFill>
+          </a:ln>
+        </p:spPr>
+        <p:style>
+          <a:lnRef idx="1">
+            <a:schemeClr val="accent1"/>
+          </a:lnRef>
+          <a:fillRef idx="0">
+            <a:schemeClr val="accent1"/>
+          </a:fillRef>
+          <a:effectRef idx="0">
+            <a:schemeClr val="accent1"/>
+          </a:effectRef>
+          <a:fontRef idx="minor">
+            <a:schemeClr val="tx1"/>
+          </a:fontRef>
+        </p:style>
+      </p:cxnSp>
+      <p:cxnSp>
+        <p:nvCxnSpPr>
+          <p:cNvPr id="11" name="Straight Connector 10"/>
+          <p:cNvCxnSpPr/>
+          <p:nvPr/>
+        </p:nvCxnSpPr>
+        <p:spPr>
+          <a:xfrm>
+            <a:off x="4754137" y="4858215"/>
+            <a:ext cx="0" cy="1400056"/>
+          </a:xfrm>
+          <a:prstGeom prst="line">
+            <a:avLst/>
+          </a:prstGeom>
+          <a:ln w="38100">
+            <a:solidFill>
+              <a:schemeClr val="accent6">
+                <a:lumMod val="50000"/>
+              </a:schemeClr>
+            </a:solidFill>
+          </a:ln>
+        </p:spPr>
+        <p:style>
+          <a:lnRef idx="1">
+            <a:schemeClr val="accent1"/>
+          </a:lnRef>
+          <a:fillRef idx="0">
+            <a:schemeClr val="accent1"/>
+          </a:fillRef>
+          <a:effectRef idx="0">
+            <a:schemeClr val="accent1"/>
+          </a:effectRef>
+          <a:fontRef idx="minor">
+            <a:schemeClr val="tx1"/>
+          </a:fontRef>
+        </p:style>
+      </p:cxnSp>
+      <p:cxnSp>
+        <p:nvCxnSpPr>
+          <p:cNvPr id="12" name="Straight Connector 11"/>
+          <p:cNvCxnSpPr/>
+          <p:nvPr/>
+        </p:nvCxnSpPr>
+        <p:spPr>
+          <a:xfrm>
+            <a:off x="10013795" y="4988313"/>
+            <a:ext cx="0" cy="1400056"/>
+          </a:xfrm>
+          <a:prstGeom prst="line">
+            <a:avLst/>
+          </a:prstGeom>
+          <a:ln w="38100">
+            <a:solidFill>
+              <a:schemeClr val="accent6">
+                <a:lumMod val="50000"/>
+              </a:schemeClr>
+            </a:solidFill>
+          </a:ln>
+        </p:spPr>
+        <p:style>
+          <a:lnRef idx="1">
+            <a:schemeClr val="accent1"/>
+          </a:lnRef>
+          <a:fillRef idx="0">
+            <a:schemeClr val="accent1"/>
+          </a:fillRef>
+          <a:effectRef idx="0">
+            <a:schemeClr val="accent1"/>
+          </a:effectRef>
+          <a:fontRef idx="minor">
+            <a:schemeClr val="tx1"/>
+          </a:fontRef>
+        </p:style>
+      </p:cxnSp>
     </p:spTree>
     <p:extLst>
       <p:ext uri="{BB962C8B-B14F-4D97-AF65-F5344CB8AC3E}">
-        <p14:creationId xmlns:p14="http://schemas.microsoft.com/office/powerpoint/2010/main" val="1822342424"/>
+        <p14:creationId xmlns:p14="http://schemas.microsoft.com/office/powerpoint/2010/main" val="983332147"/>
       </p:ext>
     </p:extLst>
   </p:cSld>
@@ -8155,19 +8869,7 @@
           <a:bodyPr/>
           <a:lstStyle/>
           <a:p>
-            <a:r>
-              <a:rPr lang="en-US" dirty="0" smtClean="0"/>
-              <a:t>Compare sis-</a:t>
-            </a:r>
-            <a:r>
-              <a:rPr lang="en-US" dirty="0" err="1" smtClean="0"/>
-              <a:t>coten</a:t>
-            </a:r>
-            <a:r>
-              <a:rPr lang="en-US" dirty="0" smtClean="0"/>
-              <a:t> with normalized foci positions</a:t>
-            </a:r>
-            <a:endParaRPr lang="en-US" dirty="0"/>
+            <a:endParaRPr lang="en-US"/>
           </a:p>
         </p:txBody>
       </p:sp>
@@ -8193,13 +8895,20 @@
     </p:spTree>
     <p:extLst>
       <p:ext uri="{BB962C8B-B14F-4D97-AF65-F5344CB8AC3E}">
-        <p14:creationId xmlns:p14="http://schemas.microsoft.com/office/powerpoint/2010/main" val="1943127629"/>
+        <p14:creationId xmlns:p14="http://schemas.microsoft.com/office/powerpoint/2010/main" val="4035749769"/>
       </p:ext>
     </p:extLst>
   </p:cSld>
   <p:clrMapOvr>
     <a:masterClrMapping/>
   </p:clrMapOvr>
+  <p:timing>
+    <p:tnLst>
+      <p:par>
+        <p:cTn id="1" dur="indefinite" restart="never" nodeType="tmRoot"/>
+      </p:par>
+    </p:tnLst>
+  </p:timing>
 </p:sld>
 </file>
 
@@ -8254,7 +8963,19 @@
           <a:bodyPr/>
           <a:lstStyle/>
           <a:p>
-            <a:endParaRPr lang="en-US"/>
+            <a:r>
+              <a:rPr lang="en-US" dirty="0" smtClean="0"/>
+              <a:t>Compare sis-</a:t>
+            </a:r>
+            <a:r>
+              <a:rPr lang="en-US" dirty="0" err="1" smtClean="0"/>
+              <a:t>coten</a:t>
+            </a:r>
+            <a:r>
+              <a:rPr lang="en-US" dirty="0" smtClean="0"/>
+              <a:t> with normalized foci positions</a:t>
+            </a:r>
+            <a:endParaRPr lang="en-US" dirty="0"/>
           </a:p>
         </p:txBody>
       </p:sp>
@@ -8273,75 +8994,20 @@
           <a:bodyPr/>
           <a:lstStyle/>
           <a:p>
-            <a:endParaRPr lang="en-US" dirty="0"/>
-          </a:p>
-        </p:txBody>
-      </p:sp>
-      <p:pic>
-        <p:nvPicPr>
-          <p:cNvPr id="5" name="Picture 4"/>
-          <p:cNvPicPr>
-            <a:picLocks noChangeAspect="1"/>
-          </p:cNvPicPr>
-          <p:nvPr/>
-        </p:nvPicPr>
-        <p:blipFill>
-          <a:blip r:embed="rId3"/>
-          <a:stretch>
-            <a:fillRect/>
-          </a:stretch>
-        </p:blipFill>
-        <p:spPr>
-          <a:xfrm>
-            <a:off x="672669" y="1690688"/>
-            <a:ext cx="5333619" cy="4265490"/>
-          </a:xfrm>
-          <a:prstGeom prst="rect">
-            <a:avLst/>
-          </a:prstGeom>
-        </p:spPr>
-      </p:pic>
-      <p:pic>
-        <p:nvPicPr>
-          <p:cNvPr id="6" name="Picture 5"/>
-          <p:cNvPicPr>
-            <a:picLocks noChangeAspect="1"/>
-          </p:cNvPicPr>
-          <p:nvPr/>
-        </p:nvPicPr>
-        <p:blipFill>
-          <a:blip r:embed="rId4"/>
-          <a:stretch>
-            <a:fillRect/>
-          </a:stretch>
-        </p:blipFill>
-        <p:spPr>
-          <a:xfrm>
-            <a:off x="6351624" y="1394309"/>
-            <a:ext cx="5582469" cy="4464504"/>
-          </a:xfrm>
-          <a:prstGeom prst="rect">
-            <a:avLst/>
-          </a:prstGeom>
-        </p:spPr>
-      </p:pic>
+            <a:endParaRPr lang="en-US"/>
+          </a:p>
+        </p:txBody>
+      </p:sp>
     </p:spTree>
     <p:extLst>
       <p:ext uri="{BB962C8B-B14F-4D97-AF65-F5344CB8AC3E}">
-        <p14:creationId xmlns:p14="http://schemas.microsoft.com/office/powerpoint/2010/main" val="3988377750"/>
+        <p14:creationId xmlns:p14="http://schemas.microsoft.com/office/powerpoint/2010/main" val="1943127629"/>
       </p:ext>
     </p:extLst>
   </p:cSld>
   <p:clrMapOvr>
     <a:masterClrMapping/>
   </p:clrMapOvr>
-  <p:timing>
-    <p:tnLst>
-      <p:par>
-        <p:cTn id="1" dur="indefinite" restart="never" nodeType="tmRoot"/>
-      </p:par>
-    </p:tnLst>
-  </p:timing>
 </p:sld>
 </file>
 
@@ -8502,7 +9168,7 @@
           <a:bodyPr/>
           <a:lstStyle/>
           <a:p>
-            <a:endParaRPr lang="en-US"/>
+            <a:endParaRPr lang="en-US" dirty="0"/>
           </a:p>
         </p:txBody>
       </p:sp>
@@ -8515,15 +9181,39 @@
           <p:nvPr/>
         </p:nvPicPr>
         <p:blipFill>
-          <a:blip r:embed="rId2"/>
+          <a:blip r:embed="rId3"/>
           <a:stretch>
             <a:fillRect/>
           </a:stretch>
         </p:blipFill>
         <p:spPr>
           <a:xfrm>
-            <a:off x="2519931" y="0"/>
-            <a:ext cx="7706320" cy="6858000"/>
+            <a:off x="437712" y="1593323"/>
+            <a:ext cx="5333619" cy="4265490"/>
+          </a:xfrm>
+          <a:prstGeom prst="rect">
+            <a:avLst/>
+          </a:prstGeom>
+        </p:spPr>
+      </p:pic>
+      <p:pic>
+        <p:nvPicPr>
+          <p:cNvPr id="6" name="Picture 5"/>
+          <p:cNvPicPr>
+            <a:picLocks noChangeAspect="1"/>
+          </p:cNvPicPr>
+          <p:nvPr/>
+        </p:nvPicPr>
+        <p:blipFill>
+          <a:blip r:embed="rId4"/>
+          <a:stretch>
+            <a:fillRect/>
+          </a:stretch>
+        </p:blipFill>
+        <p:spPr>
+          <a:xfrm>
+            <a:off x="5971765" y="1593323"/>
+            <a:ext cx="5382035" cy="4304210"/>
           </a:xfrm>
           <a:prstGeom prst="rect">
             <a:avLst/>
@@ -8533,7 +9223,7 @@
     </p:spTree>
     <p:extLst>
       <p:ext uri="{BB962C8B-B14F-4D97-AF65-F5344CB8AC3E}">
-        <p14:creationId xmlns:p14="http://schemas.microsoft.com/office/powerpoint/2010/main" val="2340219533"/>
+        <p14:creationId xmlns:p14="http://schemas.microsoft.com/office/powerpoint/2010/main" val="3988377750"/>
       </p:ext>
     </p:extLst>
   </p:cSld>
@@ -8567,9 +9257,66 @@
           <a:chExt cx="0" cy="0"/>
         </a:xfrm>
       </p:grpSpPr>
+      <p:sp>
+        <p:nvSpPr>
+          <p:cNvPr id="2" name="Title 1"/>
+          <p:cNvSpPr>
+            <a:spLocks noGrp="1"/>
+          </p:cNvSpPr>
+          <p:nvPr>
+            <p:ph type="title"/>
+          </p:nvPr>
+        </p:nvSpPr>
+        <p:spPr/>
+        <p:txBody>
+          <a:bodyPr/>
+          <a:lstStyle/>
+          <a:p>
+            <a:endParaRPr lang="en-US"/>
+          </a:p>
+        </p:txBody>
+      </p:sp>
+      <p:sp>
+        <p:nvSpPr>
+          <p:cNvPr id="3" name="Content Placeholder 2"/>
+          <p:cNvSpPr>
+            <a:spLocks noGrp="1"/>
+          </p:cNvSpPr>
+          <p:nvPr>
+            <p:ph sz="half" idx="1"/>
+          </p:nvPr>
+        </p:nvSpPr>
+        <p:spPr/>
+        <p:txBody>
+          <a:bodyPr/>
+          <a:lstStyle/>
+          <a:p>
+            <a:endParaRPr lang="en-US"/>
+          </a:p>
+        </p:txBody>
+      </p:sp>
+      <p:sp>
+        <p:nvSpPr>
+          <p:cNvPr id="4" name="Content Placeholder 3"/>
+          <p:cNvSpPr>
+            <a:spLocks noGrp="1"/>
+          </p:cNvSpPr>
+          <p:nvPr>
+            <p:ph sz="half" idx="2"/>
+          </p:nvPr>
+        </p:nvSpPr>
+        <p:spPr/>
+        <p:txBody>
+          <a:bodyPr/>
+          <a:lstStyle/>
+          <a:p>
+            <a:endParaRPr lang="en-US"/>
+          </a:p>
+        </p:txBody>
+      </p:sp>
       <p:pic>
         <p:nvPicPr>
-          <p:cNvPr id="2" name="Picture 1"/>
+          <p:cNvPr id="5" name="Picture 4"/>
           <p:cNvPicPr>
             <a:picLocks noChangeAspect="1"/>
           </p:cNvPicPr>
@@ -8583,8 +9330,8 @@
         </p:blipFill>
         <p:spPr>
           <a:xfrm>
-            <a:off x="414483" y="1739543"/>
-            <a:ext cx="5529470" cy="4327139"/>
+            <a:off x="2463400" y="365125"/>
+            <a:ext cx="7112800" cy="6329815"/>
           </a:xfrm>
           <a:prstGeom prst="rect">
             <a:avLst/>
@@ -8594,7 +9341,7 @@
     </p:spTree>
     <p:extLst>
       <p:ext uri="{BB962C8B-B14F-4D97-AF65-F5344CB8AC3E}">
-        <p14:creationId xmlns:p14="http://schemas.microsoft.com/office/powerpoint/2010/main" val="1813281004"/>
+        <p14:creationId xmlns:p14="http://schemas.microsoft.com/office/powerpoint/2010/main" val="2340219533"/>
       </p:ext>
     </p:extLst>
   </p:cSld>
@@ -9065,6 +9812,67 @@
           <a:chExt cx="0" cy="0"/>
         </a:xfrm>
       </p:grpSpPr>
+      <p:pic>
+        <p:nvPicPr>
+          <p:cNvPr id="2" name="Picture 1"/>
+          <p:cNvPicPr>
+            <a:picLocks noChangeAspect="1"/>
+          </p:cNvPicPr>
+          <p:nvPr/>
+        </p:nvPicPr>
+        <p:blipFill>
+          <a:blip r:embed="rId2"/>
+          <a:stretch>
+            <a:fillRect/>
+          </a:stretch>
+        </p:blipFill>
+        <p:spPr>
+          <a:xfrm>
+            <a:off x="3536056" y="1439998"/>
+            <a:ext cx="5529470" cy="4327139"/>
+          </a:xfrm>
+          <a:prstGeom prst="rect">
+            <a:avLst/>
+          </a:prstGeom>
+        </p:spPr>
+      </p:pic>
+    </p:spTree>
+    <p:extLst>
+      <p:ext uri="{BB962C8B-B14F-4D97-AF65-F5344CB8AC3E}">
+        <p14:creationId xmlns:p14="http://schemas.microsoft.com/office/powerpoint/2010/main" val="1813281004"/>
+      </p:ext>
+    </p:extLst>
+  </p:cSld>
+  <p:clrMapOvr>
+    <a:masterClrMapping/>
+  </p:clrMapOvr>
+  <p:timing>
+    <p:tnLst>
+      <p:par>
+        <p:cTn id="1" dur="indefinite" restart="never" nodeType="tmRoot"/>
+      </p:par>
+    </p:tnLst>
+  </p:timing>
+</p:sld>
+</file>
+
+<file path=ppt/slides/slide21.xml><?xml version="1.0" encoding="utf-8"?>
+<p:sld xmlns:a="http://schemas.openxmlformats.org/drawingml/2006/main" xmlns:r="http://schemas.openxmlformats.org/officeDocument/2006/relationships" xmlns:p="http://schemas.openxmlformats.org/presentationml/2006/main">
+  <p:cSld>
+    <p:spTree>
+      <p:nvGrpSpPr>
+        <p:cNvPr id="1" name=""/>
+        <p:cNvGrpSpPr/>
+        <p:nvPr/>
+      </p:nvGrpSpPr>
+      <p:grpSpPr>
+        <a:xfrm>
+          <a:off x="0" y="0"/>
+          <a:ext cx="0" cy="0"/>
+          <a:chOff x="0" y="0"/>
+          <a:chExt cx="0" cy="0"/>
+        </a:xfrm>
+      </p:grpSpPr>
       <p:sp>
         <p:nvSpPr>
           <p:cNvPr id="2" name="Title 1"/>
@@ -9171,7 +9979,7 @@
 </p:sld>
 </file>
 
-<file path=ppt/slides/slide21.xml><?xml version="1.0" encoding="utf-8"?>
+<file path=ppt/slides/slide22.xml><?xml version="1.0" encoding="utf-8"?>
 <p:sld xmlns:a="http://schemas.openxmlformats.org/drawingml/2006/main" xmlns:r="http://schemas.openxmlformats.org/officeDocument/2006/relationships" xmlns:p="http://schemas.openxmlformats.org/presentationml/2006/main">
   <p:cSld>
     <p:spTree>
@@ -9288,7 +10096,7 @@
 </p:sld>
 </file>
 
-<file path=ppt/slides/slide22.xml><?xml version="1.0" encoding="utf-8"?>
+<file path=ppt/slides/slide23.xml><?xml version="1.0" encoding="utf-8"?>
 <p:sld xmlns:a="http://schemas.openxmlformats.org/drawingml/2006/main" xmlns:r="http://schemas.openxmlformats.org/officeDocument/2006/relationships" xmlns:p="http://schemas.openxmlformats.org/presentationml/2006/main">
   <p:cSld>
     <p:spTree>
@@ -9748,7 +10556,7 @@
 </p:sld>
 </file>
 
-<file path=ppt/slides/slide23.xml><?xml version="1.0" encoding="utf-8"?>
+<file path=ppt/slides/slide24.xml><?xml version="1.0" encoding="utf-8"?>
 <p:sld xmlns:a="http://schemas.openxmlformats.org/drawingml/2006/main" xmlns:r="http://schemas.openxmlformats.org/officeDocument/2006/relationships" xmlns:p="http://schemas.openxmlformats.org/presentationml/2006/main">
   <p:cSld>
     <p:spTree>
@@ -15219,7 +16027,15 @@
           <a:p>
             <a:r>
               <a:rPr lang="en-US" dirty="0" smtClean="0"/>
-              <a:t>Total SC mouse averages</a:t>
+              <a:t>Total </a:t>
+            </a:r>
+            <a:r>
+              <a:rPr lang="en-US" dirty="0" smtClean="0"/>
+              <a:t>SC, </a:t>
+            </a:r>
+            <a:r>
+              <a:rPr lang="en-US" dirty="0" smtClean="0"/>
+              <a:t>mouse averages</a:t>
             </a:r>
             <a:endParaRPr lang="en-US" dirty="0"/>
           </a:p>
@@ -15332,7 +16148,7 @@
         <p:spPr>
           <a:xfrm>
             <a:off x="445506" y="1897811"/>
-            <a:ext cx="4512574" cy="3046988"/>
+            <a:ext cx="4512574" cy="4154984"/>
           </a:xfrm>
           <a:prstGeom prst="rect">
             <a:avLst/>
@@ -15378,16 +16194,13 @@
             <a:endParaRPr lang="en-US" sz="2400" dirty="0"/>
           </a:p>
           <a:p>
-            <a:pPr marL="342900" indent="-342900">
-              <a:buFont typeface="Arial" panose="020B0604020202020204" pitchFamily="34" charset="0"/>
-              <a:buChar char="•"/>
-            </a:pPr>
-            <a:endParaRPr lang="en-US" sz="2400" dirty="0" smtClean="0"/>
-          </a:p>
-          <a:p>
             <a:r>
               <a:rPr lang="en-US" sz="2400" b="1" dirty="0" smtClean="0"/>
-              <a:t>High RR </a:t>
+              <a:t>High </a:t>
+            </a:r>
+            <a:r>
+              <a:rPr lang="en-US" sz="2400" b="1" dirty="0" smtClean="0"/>
+              <a:t>RR </a:t>
             </a:r>
             <a:r>
               <a:rPr lang="en-US" sz="2400" b="1" dirty="0" err="1" smtClean="0"/>
@@ -15403,8 +16216,37 @@
             </a:r>
             <a:r>
               <a:rPr lang="en-US" sz="2400" b="1" dirty="0" smtClean="0"/>
+              <a:t> </a:t>
+            </a:r>
+            <a:r>
+              <a:rPr lang="en-US" sz="2400" b="1" dirty="0" smtClean="0"/>
+              <a:t>males</a:t>
+            </a:r>
+          </a:p>
+          <a:p>
+            <a:endParaRPr lang="en-US" sz="2400" b="1" dirty="0"/>
+          </a:p>
+          <a:p>
+            <a:r>
+              <a:rPr lang="en-US" sz="2400" dirty="0" smtClean="0"/>
+              <a:t>High RR </a:t>
+            </a:r>
+            <a:r>
+              <a:rPr lang="en-US" sz="2400" dirty="0" err="1" smtClean="0"/>
+              <a:t>Musc</a:t>
+            </a:r>
+            <a:r>
+              <a:rPr lang="en-US" sz="2400" dirty="0" smtClean="0"/>
               <a:t> males</a:t>
             </a:r>
+            <a:endParaRPr lang="en-US" sz="2400" dirty="0"/>
+          </a:p>
+          <a:p>
+            <a:r>
+              <a:rPr lang="en-US" sz="2400" dirty="0" smtClean="0"/>
+              <a:t>Longer axis -&gt; more 2COs, (despite stronger interference?)</a:t>
+            </a:r>
+            <a:endParaRPr lang="en-US" sz="2400" dirty="0" smtClean="0"/>
           </a:p>
         </p:txBody>
       </p:sp>
@@ -15421,7 +16263,159 @@
   <p:timing>
     <p:tnLst>
       <p:par>
-        <p:cTn id="1" dur="indefinite" restart="never" nodeType="tmRoot"/>
+        <p:cTn id="1" dur="indefinite" restart="never" nodeType="tmRoot">
+          <p:childTnLst>
+            <p:seq concurrent="1" nextAc="seek">
+              <p:cTn id="2" dur="indefinite" nodeType="mainSeq">
+                <p:childTnLst>
+                  <p:par>
+                    <p:cTn id="3" fill="hold">
+                      <p:stCondLst>
+                        <p:cond delay="indefinite"/>
+                      </p:stCondLst>
+                      <p:childTnLst>
+                        <p:par>
+                          <p:cTn id="4" fill="hold">
+                            <p:stCondLst>
+                              <p:cond delay="0"/>
+                            </p:stCondLst>
+                            <p:childTnLst>
+                              <p:par>
+                                <p:cTn id="5" presetID="1" presetClass="entr" presetSubtype="0" fill="hold" nodeType="clickEffect">
+                                  <p:stCondLst>
+                                    <p:cond delay="0"/>
+                                  </p:stCondLst>
+                                  <p:childTnLst>
+                                    <p:set>
+                                      <p:cBhvr>
+                                        <p:cTn id="6" dur="1" fill="hold">
+                                          <p:stCondLst>
+                                            <p:cond delay="0"/>
+                                          </p:stCondLst>
+                                        </p:cTn>
+                                        <p:tgtEl>
+                                          <p:spTgt spid="12">
+                                            <p:txEl>
+                                              <p:pRg st="4" end="4"/>
+                                            </p:txEl>
+                                          </p:spTgt>
+                                        </p:tgtEl>
+                                        <p:attrNameLst>
+                                          <p:attrName>style.visibility</p:attrName>
+                                        </p:attrNameLst>
+                                      </p:cBhvr>
+                                      <p:to>
+                                        <p:strVal val="visible"/>
+                                      </p:to>
+                                    </p:set>
+                                  </p:childTnLst>
+                                </p:cTn>
+                              </p:par>
+                            </p:childTnLst>
+                          </p:cTn>
+                        </p:par>
+                      </p:childTnLst>
+                    </p:cTn>
+                  </p:par>
+                  <p:par>
+                    <p:cTn id="7" fill="hold">
+                      <p:stCondLst>
+                        <p:cond delay="indefinite"/>
+                      </p:stCondLst>
+                      <p:childTnLst>
+                        <p:par>
+                          <p:cTn id="8" fill="hold">
+                            <p:stCondLst>
+                              <p:cond delay="0"/>
+                            </p:stCondLst>
+                            <p:childTnLst>
+                              <p:par>
+                                <p:cTn id="9" presetID="1" presetClass="entr" presetSubtype="0" fill="hold" nodeType="clickEffect">
+                                  <p:stCondLst>
+                                    <p:cond delay="0"/>
+                                  </p:stCondLst>
+                                  <p:childTnLst>
+                                    <p:set>
+                                      <p:cBhvr>
+                                        <p:cTn id="10" dur="1" fill="hold">
+                                          <p:stCondLst>
+                                            <p:cond delay="0"/>
+                                          </p:stCondLst>
+                                        </p:cTn>
+                                        <p:tgtEl>
+                                          <p:spTgt spid="12">
+                                            <p:txEl>
+                                              <p:pRg st="6" end="6"/>
+                                            </p:txEl>
+                                          </p:spTgt>
+                                        </p:tgtEl>
+                                        <p:attrNameLst>
+                                          <p:attrName>style.visibility</p:attrName>
+                                        </p:attrNameLst>
+                                      </p:cBhvr>
+                                      <p:to>
+                                        <p:strVal val="visible"/>
+                                      </p:to>
+                                    </p:set>
+                                  </p:childTnLst>
+                                </p:cTn>
+                              </p:par>
+                              <p:par>
+                                <p:cTn id="11" presetID="1" presetClass="entr" presetSubtype="0" fill="hold" nodeType="withEffect">
+                                  <p:stCondLst>
+                                    <p:cond delay="0"/>
+                                  </p:stCondLst>
+                                  <p:childTnLst>
+                                    <p:set>
+                                      <p:cBhvr>
+                                        <p:cTn id="12" dur="1" fill="hold">
+                                          <p:stCondLst>
+                                            <p:cond delay="0"/>
+                                          </p:stCondLst>
+                                        </p:cTn>
+                                        <p:tgtEl>
+                                          <p:spTgt spid="12">
+                                            <p:txEl>
+                                              <p:pRg st="7" end="7"/>
+                                            </p:txEl>
+                                          </p:spTgt>
+                                        </p:tgtEl>
+                                        <p:attrNameLst>
+                                          <p:attrName>style.visibility</p:attrName>
+                                        </p:attrNameLst>
+                                      </p:cBhvr>
+                                      <p:to>
+                                        <p:strVal val="visible"/>
+                                      </p:to>
+                                    </p:set>
+                                  </p:childTnLst>
+                                </p:cTn>
+                              </p:par>
+                            </p:childTnLst>
+                          </p:cTn>
+                        </p:par>
+                      </p:childTnLst>
+                    </p:cTn>
+                  </p:par>
+                </p:childTnLst>
+              </p:cTn>
+              <p:prevCondLst>
+                <p:cond evt="onPrev" delay="0">
+                  <p:tgtEl>
+                    <p:sldTgt/>
+                  </p:tgtEl>
+                </p:cond>
+              </p:prevCondLst>
+              <p:nextCondLst>
+                <p:cond evt="onNext" delay="0">
+                  <p:tgtEl>
+                    <p:sldTgt/>
+                  </p:tgtEl>
+                </p:cond>
+              </p:nextCondLst>
+            </p:seq>
+          </p:childTnLst>
+        </p:cTn>
       </p:par>
     </p:tnLst>
   </p:timing>
@@ -15493,6 +16487,13 @@
   <p:clrMapOvr>
     <a:masterClrMapping/>
   </p:clrMapOvr>
+  <p:timing>
+    <p:tnLst>
+      <p:par>
+        <p:cTn id="1" dur="indefinite" restart="never" nodeType="tmRoot"/>
+      </p:par>
+    </p:tnLst>
+  </p:timing>
 </p:sld>
 </file>
 
@@ -15559,7 +16560,11 @@
           <a:p>
             <a:r>
               <a:rPr lang="en-US" dirty="0" smtClean="0"/>
-              <a:t>Sis-co-ten modulated by CO number and position</a:t>
+              <a:t>Tension at metaphase </a:t>
+            </a:r>
+            <a:r>
+              <a:rPr lang="en-US" dirty="0" smtClean="0"/>
+              <a:t>modulated by CO number and position</a:t>
             </a:r>
             <a:endParaRPr lang="en-US" dirty="0"/>
           </a:p>

--- a/AP_lab_meeting_9.11.19.pptx
+++ b/AP_lab_meeting_9.11.19.pptx
@@ -863,18 +863,34 @@
               <a:t>siscoten</a:t>
             </a:r>
             <a:r>
-              <a:rPr lang="en-US" smtClean="0"/>
-              <a:t> </a:t>
-            </a:r>
-            <a:r>
               <a:rPr lang="en-US" dirty="0" smtClean="0"/>
-              <a:t>by </a:t>
-            </a:r>
-            <a:r>
-              <a:rPr lang="en-US" smtClean="0"/>
+              <a:t> by </a:t>
+            </a:r>
+            <a:r>
+              <a:rPr lang="en-US" dirty="0" smtClean="0"/>
               <a:t>chromosome class</a:t>
             </a:r>
-            <a:endParaRPr lang="en-US"/>
+          </a:p>
+          <a:p>
+            <a:endParaRPr lang="en-US" dirty="0" smtClean="0"/>
+          </a:p>
+          <a:p>
+            <a:endParaRPr lang="en-US" dirty="0" smtClean="0"/>
+          </a:p>
+          <a:p>
+            <a:r>
+              <a:rPr lang="en-US" dirty="0" smtClean="0"/>
+              <a:t>Enrichment for </a:t>
+            </a:r>
+            <a:r>
+              <a:rPr lang="en-US" dirty="0" err="1" smtClean="0"/>
+              <a:t>telomeric</a:t>
+            </a:r>
+            <a:r>
+              <a:rPr lang="en-US" dirty="0" smtClean="0"/>
+              <a:t> foci</a:t>
+            </a:r>
+            <a:endParaRPr lang="en-US" dirty="0"/>
           </a:p>
         </p:txBody>
       </p:sp>
@@ -7692,11 +7708,7 @@
           <a:p>
             <a:r>
               <a:rPr lang="en-US" dirty="0" smtClean="0"/>
-              <a:t>Sister cohesion tension </a:t>
-            </a:r>
-            <a:r>
-              <a:rPr lang="en-US" dirty="0" smtClean="0"/>
-              <a:t>metric</a:t>
+              <a:t>Sister cohesion tension metric</a:t>
             </a:r>
             <a:endParaRPr lang="en-US" dirty="0"/>
           </a:p>
@@ -7974,7 +7986,6 @@
               <a:rPr lang="en-US" dirty="0" smtClean="0"/>
               <a:t>Assumptions</a:t>
             </a:r>
-            <a:endParaRPr lang="en-US" dirty="0" smtClean="0"/>
           </a:p>
           <a:p>
             <a:pPr lvl="1"/>
@@ -7994,23 +8005,13 @@
               <a:rPr lang="en-US" dirty="0" smtClean="0"/>
               <a:t>COs</a:t>
             </a:r>
-            <a:endParaRPr lang="en-US" dirty="0" smtClean="0"/>
           </a:p>
           <a:p>
             <a:pPr lvl="1"/>
             <a:r>
               <a:rPr lang="en-US" dirty="0" smtClean="0"/>
-              <a:t>Uniform condensation </a:t>
-            </a:r>
-            <a:r>
-              <a:rPr lang="en-US" dirty="0" smtClean="0"/>
-              <a:t>across</a:t>
-            </a:r>
-            <a:r>
-              <a:rPr lang="en-US" dirty="0" smtClean="0"/>
-              <a:t> chromatids from pachytene to metaphase</a:t>
-            </a:r>
-            <a:endParaRPr lang="en-US" dirty="0" smtClean="0"/>
+              <a:t>Uniform condensation across chromatids from pachytene to metaphase</a:t>
+            </a:r>
           </a:p>
           <a:p>
             <a:pPr lvl="1"/>
@@ -16027,15 +16028,7 @@
           <a:p>
             <a:r>
               <a:rPr lang="en-US" dirty="0" smtClean="0"/>
-              <a:t>Total </a:t>
-            </a:r>
-            <a:r>
-              <a:rPr lang="en-US" dirty="0" smtClean="0"/>
-              <a:t>SC, </a:t>
-            </a:r>
-            <a:r>
-              <a:rPr lang="en-US" dirty="0" smtClean="0"/>
-              <a:t>mouse averages</a:t>
+              <a:t>Total SC, mouse averages</a:t>
             </a:r>
             <a:endParaRPr lang="en-US" dirty="0"/>
           </a:p>
@@ -16196,11 +16189,7 @@
           <a:p>
             <a:r>
               <a:rPr lang="en-US" sz="2400" b="1" dirty="0" smtClean="0"/>
-              <a:t>High </a:t>
-            </a:r>
-            <a:r>
-              <a:rPr lang="en-US" sz="2400" b="1" dirty="0" smtClean="0"/>
-              <a:t>RR </a:t>
+              <a:t>High RR </a:t>
             </a:r>
             <a:r>
               <a:rPr lang="en-US" sz="2400" b="1" dirty="0" err="1" smtClean="0"/>
@@ -16216,11 +16205,7 @@
             </a:r>
             <a:r>
               <a:rPr lang="en-US" sz="2400" b="1" dirty="0" smtClean="0"/>
-              <a:t> </a:t>
-            </a:r>
-            <a:r>
-              <a:rPr lang="en-US" sz="2400" b="1" dirty="0" smtClean="0"/>
-              <a:t>males</a:t>
+              <a:t> males</a:t>
             </a:r>
           </a:p>
           <a:p>
@@ -16246,7 +16231,6 @@
               <a:rPr lang="en-US" sz="2400" dirty="0" smtClean="0"/>
               <a:t>Longer axis -&gt; more 2COs, (despite stronger interference?)</a:t>
             </a:r>
-            <a:endParaRPr lang="en-US" sz="2400" dirty="0" smtClean="0"/>
           </a:p>
         </p:txBody>
       </p:sp>
@@ -16560,11 +16544,7 @@
           <a:p>
             <a:r>
               <a:rPr lang="en-US" dirty="0" smtClean="0"/>
-              <a:t>Tension at metaphase </a:t>
-            </a:r>
-            <a:r>
-              <a:rPr lang="en-US" dirty="0" smtClean="0"/>
-              <a:t>modulated by CO number and position</a:t>
+              <a:t>Tension at metaphase modulated by CO number and position</a:t>
             </a:r>
             <a:endParaRPr lang="en-US" dirty="0"/>
           </a:p>
